--- a/Pipeline_diagrama.pptx
+++ b/Pipeline_diagrama.pptx
@@ -6,6 +6,9 @@
   </p:sldMasterIdLst>
   <p:sldIdLst>
     <p:sldId id="257" r:id="rId2"/>
+    <p:sldId id="258" r:id="rId3"/>
+    <p:sldId id="259" r:id="rId4"/>
+    <p:sldId id="260" r:id="rId5"/>
   </p:sldIdLst>
   <p:sldSz cx="12192000" cy="6858000"/>
   <p:notesSz cx="6858000" cy="9144000"/>
@@ -259,7 +262,7 @@
           <a:p>
             <a:fld id="{A585EA03-BEE8-48E4-88D0-8FBE69FC4CEA}" type="datetimeFigureOut">
               <a:rPr lang="es-ES" smtClean="0"/>
-              <a:t>14/06/2019</a:t>
+              <a:t>17/11/2019</a:t>
             </a:fld>
             <a:endParaRPr lang="es-ES"/>
           </a:p>
@@ -457,7 +460,7 @@
           <a:p>
             <a:fld id="{A585EA03-BEE8-48E4-88D0-8FBE69FC4CEA}" type="datetimeFigureOut">
               <a:rPr lang="es-ES" smtClean="0"/>
-              <a:t>14/06/2019</a:t>
+              <a:t>17/11/2019</a:t>
             </a:fld>
             <a:endParaRPr lang="es-ES"/>
           </a:p>
@@ -665,7 +668,7 @@
           <a:p>
             <a:fld id="{A585EA03-BEE8-48E4-88D0-8FBE69FC4CEA}" type="datetimeFigureOut">
               <a:rPr lang="es-ES" smtClean="0"/>
-              <a:t>14/06/2019</a:t>
+              <a:t>17/11/2019</a:t>
             </a:fld>
             <a:endParaRPr lang="es-ES"/>
           </a:p>
@@ -863,7 +866,7 @@
           <a:p>
             <a:fld id="{A585EA03-BEE8-48E4-88D0-8FBE69FC4CEA}" type="datetimeFigureOut">
               <a:rPr lang="es-ES" smtClean="0"/>
-              <a:t>14/06/2019</a:t>
+              <a:t>17/11/2019</a:t>
             </a:fld>
             <a:endParaRPr lang="es-ES"/>
           </a:p>
@@ -1138,7 +1141,7 @@
           <a:p>
             <a:fld id="{A585EA03-BEE8-48E4-88D0-8FBE69FC4CEA}" type="datetimeFigureOut">
               <a:rPr lang="es-ES" smtClean="0"/>
-              <a:t>14/06/2019</a:t>
+              <a:t>17/11/2019</a:t>
             </a:fld>
             <a:endParaRPr lang="es-ES"/>
           </a:p>
@@ -1403,7 +1406,7 @@
           <a:p>
             <a:fld id="{A585EA03-BEE8-48E4-88D0-8FBE69FC4CEA}" type="datetimeFigureOut">
               <a:rPr lang="es-ES" smtClean="0"/>
-              <a:t>14/06/2019</a:t>
+              <a:t>17/11/2019</a:t>
             </a:fld>
             <a:endParaRPr lang="es-ES"/>
           </a:p>
@@ -1815,7 +1818,7 @@
           <a:p>
             <a:fld id="{A585EA03-BEE8-48E4-88D0-8FBE69FC4CEA}" type="datetimeFigureOut">
               <a:rPr lang="es-ES" smtClean="0"/>
-              <a:t>14/06/2019</a:t>
+              <a:t>17/11/2019</a:t>
             </a:fld>
             <a:endParaRPr lang="es-ES"/>
           </a:p>
@@ -1956,7 +1959,7 @@
           <a:p>
             <a:fld id="{A585EA03-BEE8-48E4-88D0-8FBE69FC4CEA}" type="datetimeFigureOut">
               <a:rPr lang="es-ES" smtClean="0"/>
-              <a:t>14/06/2019</a:t>
+              <a:t>17/11/2019</a:t>
             </a:fld>
             <a:endParaRPr lang="es-ES"/>
           </a:p>
@@ -2069,7 +2072,7 @@
           <a:p>
             <a:fld id="{A585EA03-BEE8-48E4-88D0-8FBE69FC4CEA}" type="datetimeFigureOut">
               <a:rPr lang="es-ES" smtClean="0"/>
-              <a:t>14/06/2019</a:t>
+              <a:t>17/11/2019</a:t>
             </a:fld>
             <a:endParaRPr lang="es-ES"/>
           </a:p>
@@ -2380,7 +2383,7 @@
           <a:p>
             <a:fld id="{A585EA03-BEE8-48E4-88D0-8FBE69FC4CEA}" type="datetimeFigureOut">
               <a:rPr lang="es-ES" smtClean="0"/>
-              <a:t>14/06/2019</a:t>
+              <a:t>17/11/2019</a:t>
             </a:fld>
             <a:endParaRPr lang="es-ES"/>
           </a:p>
@@ -2668,7 +2671,7 @@
           <a:p>
             <a:fld id="{A585EA03-BEE8-48E4-88D0-8FBE69FC4CEA}" type="datetimeFigureOut">
               <a:rPr lang="es-ES" smtClean="0"/>
-              <a:t>14/06/2019</a:t>
+              <a:t>17/11/2019</a:t>
             </a:fld>
             <a:endParaRPr lang="es-ES"/>
           </a:p>
@@ -2909,7 +2912,7 @@
           <a:p>
             <a:fld id="{A585EA03-BEE8-48E4-88D0-8FBE69FC4CEA}" type="datetimeFigureOut">
               <a:rPr lang="es-ES" smtClean="0"/>
-              <a:t>14/06/2019</a:t>
+              <a:t>17/11/2019</a:t>
             </a:fld>
             <a:endParaRPr lang="es-ES"/>
           </a:p>
@@ -4527,6 +4530,5263 @@
 </p:sld>
 </file>
 
+<file path=ppt/slides/slide2.xml><?xml version="1.0" encoding="utf-8"?>
+<p:sld xmlns:a="http://schemas.openxmlformats.org/drawingml/2006/main" xmlns:r="http://schemas.openxmlformats.org/officeDocument/2006/relationships" xmlns:p="http://schemas.openxmlformats.org/presentationml/2006/main">
+  <p:cSld>
+    <p:spTree>
+      <p:nvGrpSpPr>
+        <p:cNvPr id="1" name=""/>
+        <p:cNvGrpSpPr/>
+        <p:nvPr/>
+      </p:nvGrpSpPr>
+      <p:grpSpPr>
+        <a:xfrm>
+          <a:off x="0" y="0"/>
+          <a:ext cx="0" cy="0"/>
+          <a:chOff x="0" y="0"/>
+          <a:chExt cx="0" cy="0"/>
+        </a:xfrm>
+      </p:grpSpPr>
+      <p:sp>
+        <p:nvSpPr>
+          <p:cNvPr id="32" name="Rectángulo 31">
+            <a:extLst>
+              <a:ext uri="{FF2B5EF4-FFF2-40B4-BE49-F238E27FC236}">
+                <a16:creationId xmlns:a16="http://schemas.microsoft.com/office/drawing/2014/main" id="{7A395159-D82C-4F34-B720-63F2B7E02FF8}"/>
+              </a:ext>
+            </a:extLst>
+          </p:cNvPr>
+          <p:cNvSpPr/>
+          <p:nvPr/>
+        </p:nvSpPr>
+        <p:spPr>
+          <a:xfrm>
+            <a:off x="7119419" y="656903"/>
+            <a:ext cx="2541555" cy="4571474"/>
+          </a:xfrm>
+          <a:prstGeom prst="rect">
+            <a:avLst/>
+          </a:prstGeom>
+          <a:solidFill>
+            <a:srgbClr val="CFE5C1"/>
+          </a:solidFill>
+          <a:ln w="12700">
+            <a:solidFill>
+              <a:schemeClr val="tx1"/>
+            </a:solidFill>
+            <a:prstDash val="lgDash"/>
+          </a:ln>
+        </p:spPr>
+        <p:style>
+          <a:lnRef idx="2">
+            <a:schemeClr val="accent1">
+              <a:shade val="50000"/>
+            </a:schemeClr>
+          </a:lnRef>
+          <a:fillRef idx="1">
+            <a:schemeClr val="accent1"/>
+          </a:fillRef>
+          <a:effectRef idx="0">
+            <a:schemeClr val="accent1"/>
+          </a:effectRef>
+          <a:fontRef idx="minor">
+            <a:schemeClr val="lt1"/>
+          </a:fontRef>
+        </p:style>
+        <p:txBody>
+          <a:bodyPr rtlCol="0" anchor="ctr"/>
+          <a:lstStyle/>
+          <a:p>
+            <a:pPr algn="ctr"/>
+            <a:endParaRPr lang="en-US" sz="1400" dirty="0">
+              <a:solidFill>
+                <a:schemeClr val="tx1"/>
+              </a:solidFill>
+            </a:endParaRPr>
+          </a:p>
+        </p:txBody>
+      </p:sp>
+      <p:sp>
+        <p:nvSpPr>
+          <p:cNvPr id="26" name="Rectángulo 25">
+            <a:extLst>
+              <a:ext uri="{FF2B5EF4-FFF2-40B4-BE49-F238E27FC236}">
+                <a16:creationId xmlns:a16="http://schemas.microsoft.com/office/drawing/2014/main" id="{8B952F74-2FC2-46D2-9782-5C2A0C8956B2}"/>
+              </a:ext>
+            </a:extLst>
+          </p:cNvPr>
+          <p:cNvSpPr/>
+          <p:nvPr/>
+        </p:nvSpPr>
+        <p:spPr>
+          <a:xfrm>
+            <a:off x="4500386" y="656903"/>
+            <a:ext cx="1929468" cy="4571474"/>
+          </a:xfrm>
+          <a:prstGeom prst="rect">
+            <a:avLst/>
+          </a:prstGeom>
+          <a:solidFill>
+            <a:srgbClr val="CFE5C1"/>
+          </a:solidFill>
+          <a:ln w="12700">
+            <a:solidFill>
+              <a:schemeClr val="tx1"/>
+            </a:solidFill>
+            <a:prstDash val="lgDash"/>
+          </a:ln>
+        </p:spPr>
+        <p:style>
+          <a:lnRef idx="2">
+            <a:schemeClr val="accent1">
+              <a:shade val="50000"/>
+            </a:schemeClr>
+          </a:lnRef>
+          <a:fillRef idx="1">
+            <a:schemeClr val="accent1"/>
+          </a:fillRef>
+          <a:effectRef idx="0">
+            <a:schemeClr val="accent1"/>
+          </a:effectRef>
+          <a:fontRef idx="minor">
+            <a:schemeClr val="lt1"/>
+          </a:fontRef>
+        </p:style>
+        <p:txBody>
+          <a:bodyPr rtlCol="0" anchor="ctr"/>
+          <a:lstStyle/>
+          <a:p>
+            <a:pPr algn="ctr"/>
+            <a:endParaRPr lang="en-US" sz="1400" dirty="0">
+              <a:solidFill>
+                <a:schemeClr val="tx1"/>
+              </a:solidFill>
+            </a:endParaRPr>
+          </a:p>
+        </p:txBody>
+      </p:sp>
+      <p:sp>
+        <p:nvSpPr>
+          <p:cNvPr id="7" name="Rectángulo 6">
+            <a:extLst>
+              <a:ext uri="{FF2B5EF4-FFF2-40B4-BE49-F238E27FC236}">
+                <a16:creationId xmlns:a16="http://schemas.microsoft.com/office/drawing/2014/main" id="{5313E4D6-7D68-45ED-87DA-366B5FF9AEF6}"/>
+              </a:ext>
+            </a:extLst>
+          </p:cNvPr>
+          <p:cNvSpPr/>
+          <p:nvPr/>
+        </p:nvSpPr>
+        <p:spPr>
+          <a:xfrm>
+            <a:off x="352338" y="646478"/>
+            <a:ext cx="3422708" cy="4571474"/>
+          </a:xfrm>
+          <a:prstGeom prst="rect">
+            <a:avLst/>
+          </a:prstGeom>
+          <a:solidFill>
+            <a:srgbClr val="CFE5C1"/>
+          </a:solidFill>
+          <a:ln w="12700">
+            <a:solidFill>
+              <a:schemeClr val="tx1"/>
+            </a:solidFill>
+            <a:prstDash val="lgDash"/>
+          </a:ln>
+        </p:spPr>
+        <p:style>
+          <a:lnRef idx="2">
+            <a:schemeClr val="accent1">
+              <a:shade val="50000"/>
+            </a:schemeClr>
+          </a:lnRef>
+          <a:fillRef idx="1">
+            <a:schemeClr val="accent1"/>
+          </a:fillRef>
+          <a:effectRef idx="0">
+            <a:schemeClr val="accent1"/>
+          </a:effectRef>
+          <a:fontRef idx="minor">
+            <a:schemeClr val="lt1"/>
+          </a:fontRef>
+        </p:style>
+        <p:txBody>
+          <a:bodyPr rtlCol="0" anchor="ctr"/>
+          <a:lstStyle/>
+          <a:p>
+            <a:pPr algn="ctr"/>
+            <a:endParaRPr lang="en-US" sz="1400" dirty="0">
+              <a:solidFill>
+                <a:schemeClr val="tx1"/>
+              </a:solidFill>
+            </a:endParaRPr>
+          </a:p>
+        </p:txBody>
+      </p:sp>
+      <p:sp>
+        <p:nvSpPr>
+          <p:cNvPr id="8" name="Rectángulo 7">
+            <a:extLst>
+              <a:ext uri="{FF2B5EF4-FFF2-40B4-BE49-F238E27FC236}">
+                <a16:creationId xmlns:a16="http://schemas.microsoft.com/office/drawing/2014/main" id="{645592EC-C056-46F7-BBC6-9635954491AC}"/>
+              </a:ext>
+            </a:extLst>
+          </p:cNvPr>
+          <p:cNvSpPr/>
+          <p:nvPr/>
+        </p:nvSpPr>
+        <p:spPr>
+          <a:xfrm>
+            <a:off x="1182054" y="2514898"/>
+            <a:ext cx="1991711" cy="847276"/>
+          </a:xfrm>
+          <a:prstGeom prst="rect">
+            <a:avLst/>
+          </a:prstGeom>
+          <a:solidFill>
+            <a:schemeClr val="accent6">
+              <a:lumMod val="60000"/>
+              <a:lumOff val="40000"/>
+            </a:schemeClr>
+          </a:solidFill>
+          <a:ln w="12700">
+            <a:solidFill>
+              <a:schemeClr val="tx1"/>
+            </a:solidFill>
+          </a:ln>
+        </p:spPr>
+        <p:style>
+          <a:lnRef idx="2">
+            <a:schemeClr val="accent1">
+              <a:shade val="50000"/>
+            </a:schemeClr>
+          </a:lnRef>
+          <a:fillRef idx="1">
+            <a:schemeClr val="accent1"/>
+          </a:fillRef>
+          <a:effectRef idx="0">
+            <a:schemeClr val="accent1"/>
+          </a:effectRef>
+          <a:fontRef idx="minor">
+            <a:schemeClr val="lt1"/>
+          </a:fontRef>
+        </p:style>
+        <p:txBody>
+          <a:bodyPr rtlCol="0" anchor="ctr"/>
+          <a:lstStyle/>
+          <a:p>
+            <a:pPr algn="ctr"/>
+            <a:r>
+              <a:rPr lang="es-ES" sz="1400" b="1" dirty="0" err="1">
+                <a:solidFill>
+                  <a:schemeClr val="tx1"/>
+                </a:solidFill>
+              </a:rPr>
+              <a:t>Numeric</a:t>
+            </a:r>
+            <a:r>
+              <a:rPr lang="es-ES" sz="1400" b="1" dirty="0">
+                <a:solidFill>
+                  <a:schemeClr val="tx1"/>
+                </a:solidFill>
+              </a:rPr>
+              <a:t> </a:t>
+            </a:r>
+            <a:r>
+              <a:rPr lang="es-ES" sz="1400" b="1" dirty="0" err="1">
+                <a:solidFill>
+                  <a:schemeClr val="tx1"/>
+                </a:solidFill>
+              </a:rPr>
+              <a:t>features</a:t>
+            </a:r>
+            <a:endParaRPr lang="es-ES" sz="1400" b="1" dirty="0">
+              <a:solidFill>
+                <a:schemeClr val="tx1"/>
+              </a:solidFill>
+            </a:endParaRPr>
+          </a:p>
+          <a:p>
+            <a:pPr marL="171450" indent="-171450">
+              <a:buFont typeface="Wingdings" panose="05000000000000000000" pitchFamily="2" charset="2"/>
+              <a:buChar char="§"/>
+            </a:pPr>
+            <a:r>
+              <a:rPr lang="es-ES" sz="1000" b="1" dirty="0" err="1">
+                <a:solidFill>
+                  <a:schemeClr val="tx1"/>
+                </a:solidFill>
+                <a:latin typeface="Courier New" panose="02070309020205020404" pitchFamily="49" charset="0"/>
+                <a:cs typeface="Courier New" panose="02070309020205020404" pitchFamily="49" charset="0"/>
+              </a:rPr>
+              <a:t>SimpleImputer</a:t>
+            </a:r>
+            <a:endParaRPr lang="es-ES" sz="1000" b="1" dirty="0">
+              <a:solidFill>
+                <a:schemeClr val="tx1"/>
+              </a:solidFill>
+              <a:latin typeface="Courier New" panose="02070309020205020404" pitchFamily="49" charset="0"/>
+              <a:cs typeface="Courier New" panose="02070309020205020404" pitchFamily="49" charset="0"/>
+            </a:endParaRPr>
+          </a:p>
+          <a:p>
+            <a:pPr marL="171450" indent="-171450">
+              <a:buFont typeface="Wingdings" panose="05000000000000000000" pitchFamily="2" charset="2"/>
+              <a:buChar char="§"/>
+            </a:pPr>
+            <a:r>
+              <a:rPr lang="es-ES" sz="1000" b="1" dirty="0" err="1">
+                <a:solidFill>
+                  <a:schemeClr val="tx1"/>
+                </a:solidFill>
+                <a:latin typeface="Courier New" panose="02070309020205020404" pitchFamily="49" charset="0"/>
+                <a:cs typeface="Courier New" panose="02070309020205020404" pitchFamily="49" charset="0"/>
+              </a:rPr>
+              <a:t>Scaler</a:t>
+            </a:r>
+            <a:endParaRPr lang="en-US" sz="1000" b="1" dirty="0">
+              <a:solidFill>
+                <a:schemeClr val="tx1"/>
+              </a:solidFill>
+              <a:latin typeface="Courier New" panose="02070309020205020404" pitchFamily="49" charset="0"/>
+              <a:cs typeface="Courier New" panose="02070309020205020404" pitchFamily="49" charset="0"/>
+            </a:endParaRPr>
+          </a:p>
+        </p:txBody>
+      </p:sp>
+      <p:sp>
+        <p:nvSpPr>
+          <p:cNvPr id="9" name="Rectángulo 8">
+            <a:extLst>
+              <a:ext uri="{FF2B5EF4-FFF2-40B4-BE49-F238E27FC236}">
+                <a16:creationId xmlns:a16="http://schemas.microsoft.com/office/drawing/2014/main" id="{976C6180-BB2A-4B59-9146-1C4F0246000F}"/>
+              </a:ext>
+            </a:extLst>
+          </p:cNvPr>
+          <p:cNvSpPr/>
+          <p:nvPr/>
+        </p:nvSpPr>
+        <p:spPr>
+          <a:xfrm>
+            <a:off x="1142273" y="3866425"/>
+            <a:ext cx="2031492" cy="847276"/>
+          </a:xfrm>
+          <a:prstGeom prst="rect">
+            <a:avLst/>
+          </a:prstGeom>
+          <a:solidFill>
+            <a:schemeClr val="accent6">
+              <a:lumMod val="60000"/>
+              <a:lumOff val="40000"/>
+            </a:schemeClr>
+          </a:solidFill>
+          <a:ln w="12700">
+            <a:solidFill>
+              <a:schemeClr val="tx1"/>
+            </a:solidFill>
+          </a:ln>
+        </p:spPr>
+        <p:style>
+          <a:lnRef idx="2">
+            <a:schemeClr val="accent1">
+              <a:shade val="50000"/>
+            </a:schemeClr>
+          </a:lnRef>
+          <a:fillRef idx="1">
+            <a:schemeClr val="accent1"/>
+          </a:fillRef>
+          <a:effectRef idx="0">
+            <a:schemeClr val="accent1"/>
+          </a:effectRef>
+          <a:fontRef idx="minor">
+            <a:schemeClr val="lt1"/>
+          </a:fontRef>
+        </p:style>
+        <p:txBody>
+          <a:bodyPr rtlCol="0" anchor="ctr"/>
+          <a:lstStyle/>
+          <a:p>
+            <a:pPr algn="ctr"/>
+            <a:r>
+              <a:rPr lang="es-ES" sz="1400" b="1" dirty="0" err="1">
+                <a:solidFill>
+                  <a:schemeClr val="tx1"/>
+                </a:solidFill>
+              </a:rPr>
+              <a:t>Categorical</a:t>
+            </a:r>
+            <a:r>
+              <a:rPr lang="es-ES" sz="1400" b="1" dirty="0">
+                <a:solidFill>
+                  <a:schemeClr val="tx1"/>
+                </a:solidFill>
+              </a:rPr>
+              <a:t> </a:t>
+            </a:r>
+            <a:r>
+              <a:rPr lang="es-ES" sz="1400" b="1" dirty="0" err="1">
+                <a:solidFill>
+                  <a:schemeClr val="tx1"/>
+                </a:solidFill>
+              </a:rPr>
+              <a:t>features</a:t>
+            </a:r>
+            <a:endParaRPr lang="es-ES" sz="1400" b="1" dirty="0">
+              <a:solidFill>
+                <a:schemeClr val="tx1"/>
+              </a:solidFill>
+            </a:endParaRPr>
+          </a:p>
+          <a:p>
+            <a:pPr marL="171450" indent="-171450">
+              <a:buFont typeface="Wingdings" panose="05000000000000000000" pitchFamily="2" charset="2"/>
+              <a:buChar char="§"/>
+            </a:pPr>
+            <a:r>
+              <a:rPr lang="es-ES" sz="1000" b="1" dirty="0" err="1">
+                <a:solidFill>
+                  <a:schemeClr val="tx1"/>
+                </a:solidFill>
+                <a:latin typeface="Courier New" panose="02070309020205020404" pitchFamily="49" charset="0"/>
+                <a:cs typeface="Courier New" panose="02070309020205020404" pitchFamily="49" charset="0"/>
+              </a:rPr>
+              <a:t>SimpleImputer</a:t>
+            </a:r>
+            <a:endParaRPr lang="es-ES" sz="1000" b="1" dirty="0">
+              <a:solidFill>
+                <a:schemeClr val="tx1"/>
+              </a:solidFill>
+              <a:latin typeface="Courier New" panose="02070309020205020404" pitchFamily="49" charset="0"/>
+              <a:cs typeface="Courier New" panose="02070309020205020404" pitchFamily="49" charset="0"/>
+            </a:endParaRPr>
+          </a:p>
+          <a:p>
+            <a:pPr marL="171450" indent="-171450">
+              <a:buFont typeface="Wingdings" panose="05000000000000000000" pitchFamily="2" charset="2"/>
+              <a:buChar char="§"/>
+            </a:pPr>
+            <a:r>
+              <a:rPr lang="es-ES" sz="1000" b="1" dirty="0" err="1">
+                <a:solidFill>
+                  <a:schemeClr val="tx1"/>
+                </a:solidFill>
+                <a:latin typeface="Courier New" panose="02070309020205020404" pitchFamily="49" charset="0"/>
+                <a:cs typeface="Courier New" panose="02070309020205020404" pitchFamily="49" charset="0"/>
+              </a:rPr>
+              <a:t>OneHotEncoder</a:t>
+            </a:r>
+            <a:endParaRPr lang="en-US" sz="1000" b="1" dirty="0">
+              <a:solidFill>
+                <a:schemeClr val="tx1"/>
+              </a:solidFill>
+              <a:latin typeface="Courier New" panose="02070309020205020404" pitchFamily="49" charset="0"/>
+              <a:cs typeface="Courier New" panose="02070309020205020404" pitchFamily="49" charset="0"/>
+            </a:endParaRPr>
+          </a:p>
+        </p:txBody>
+      </p:sp>
+      <p:sp>
+        <p:nvSpPr>
+          <p:cNvPr id="35" name="CuadroTexto 34">
+            <a:extLst>
+              <a:ext uri="{FF2B5EF4-FFF2-40B4-BE49-F238E27FC236}">
+                <a16:creationId xmlns:a16="http://schemas.microsoft.com/office/drawing/2014/main" id="{CB6C6954-E0E9-45C6-A829-9A39154967B5}"/>
+              </a:ext>
+            </a:extLst>
+          </p:cNvPr>
+          <p:cNvSpPr txBox="1"/>
+          <p:nvPr/>
+        </p:nvSpPr>
+        <p:spPr>
+          <a:xfrm>
+            <a:off x="1142273" y="235908"/>
+            <a:ext cx="2111055" cy="369332"/>
+          </a:xfrm>
+          <a:prstGeom prst="rect">
+            <a:avLst/>
+          </a:prstGeom>
+          <a:noFill/>
+        </p:spPr>
+        <p:txBody>
+          <a:bodyPr wrap="square" rtlCol="0">
+            <a:spAutoFit/>
+          </a:bodyPr>
+          <a:lstStyle/>
+          <a:p>
+            <a:r>
+              <a:rPr lang="es-ES" b="1" dirty="0" err="1"/>
+              <a:t>Feature</a:t>
+            </a:r>
+            <a:r>
+              <a:rPr lang="es-ES" b="1" dirty="0"/>
+              <a:t> </a:t>
+            </a:r>
+            <a:r>
+              <a:rPr lang="es-ES" b="1" dirty="0" err="1"/>
+              <a:t>extraction</a:t>
+            </a:r>
+            <a:endParaRPr lang="es-ES" b="1" dirty="0"/>
+          </a:p>
+        </p:txBody>
+      </p:sp>
+      <p:sp>
+        <p:nvSpPr>
+          <p:cNvPr id="5" name="Rectángulo 4">
+            <a:extLst>
+              <a:ext uri="{FF2B5EF4-FFF2-40B4-BE49-F238E27FC236}">
+                <a16:creationId xmlns:a16="http://schemas.microsoft.com/office/drawing/2014/main" id="{16F4BC07-E48C-4DDF-BDAE-3D02A8ACA660}"/>
+              </a:ext>
+            </a:extLst>
+          </p:cNvPr>
+          <p:cNvSpPr/>
+          <p:nvPr/>
+        </p:nvSpPr>
+        <p:spPr>
+          <a:xfrm>
+            <a:off x="478963" y="1169738"/>
+            <a:ext cx="1326621" cy="591176"/>
+          </a:xfrm>
+          <a:prstGeom prst="rect">
+            <a:avLst/>
+          </a:prstGeom>
+          <a:solidFill>
+            <a:schemeClr val="accent6">
+              <a:lumMod val="60000"/>
+              <a:lumOff val="40000"/>
+            </a:schemeClr>
+          </a:solidFill>
+          <a:ln w="12700">
+            <a:solidFill>
+              <a:schemeClr val="tx1"/>
+            </a:solidFill>
+          </a:ln>
+        </p:spPr>
+        <p:style>
+          <a:lnRef idx="2">
+            <a:schemeClr val="accent1">
+              <a:shade val="50000"/>
+            </a:schemeClr>
+          </a:lnRef>
+          <a:fillRef idx="1">
+            <a:schemeClr val="accent1"/>
+          </a:fillRef>
+          <a:effectRef idx="0">
+            <a:schemeClr val="accent1"/>
+          </a:effectRef>
+          <a:fontRef idx="minor">
+            <a:schemeClr val="lt1"/>
+          </a:fontRef>
+        </p:style>
+        <p:txBody>
+          <a:bodyPr rtlCol="0" anchor="ctr"/>
+          <a:lstStyle/>
+          <a:p>
+            <a:pPr algn="ctr"/>
+            <a:r>
+              <a:rPr lang="es-ES" sz="1600" b="1" dirty="0">
+                <a:solidFill>
+                  <a:schemeClr val="tx1"/>
+                </a:solidFill>
+                <a:cs typeface="Courier New" panose="02070309020205020404" pitchFamily="49" charset="0"/>
+              </a:rPr>
+              <a:t>Text </a:t>
+            </a:r>
+            <a:r>
+              <a:rPr lang="es-ES" sz="1600" b="1" dirty="0" err="1">
+                <a:solidFill>
+                  <a:schemeClr val="tx1"/>
+                </a:solidFill>
+                <a:cs typeface="Courier New" panose="02070309020205020404" pitchFamily="49" charset="0"/>
+              </a:rPr>
+              <a:t>Cleaning</a:t>
+            </a:r>
+            <a:endParaRPr lang="es-ES" sz="1600" b="1" dirty="0">
+              <a:solidFill>
+                <a:schemeClr val="tx1"/>
+              </a:solidFill>
+              <a:cs typeface="Courier New" panose="02070309020205020404" pitchFamily="49" charset="0"/>
+            </a:endParaRPr>
+          </a:p>
+        </p:txBody>
+      </p:sp>
+      <p:sp>
+        <p:nvSpPr>
+          <p:cNvPr id="19" name="Rectángulo 18">
+            <a:extLst>
+              <a:ext uri="{FF2B5EF4-FFF2-40B4-BE49-F238E27FC236}">
+                <a16:creationId xmlns:a16="http://schemas.microsoft.com/office/drawing/2014/main" id="{31E1F752-3E35-4FCC-9A8B-08A936C64034}"/>
+              </a:ext>
+            </a:extLst>
+          </p:cNvPr>
+          <p:cNvSpPr/>
+          <p:nvPr/>
+        </p:nvSpPr>
+        <p:spPr>
+          <a:xfrm>
+            <a:off x="2275114" y="1552457"/>
+            <a:ext cx="802426" cy="369332"/>
+          </a:xfrm>
+          <a:prstGeom prst="rect">
+            <a:avLst/>
+          </a:prstGeom>
+          <a:solidFill>
+            <a:schemeClr val="accent6">
+              <a:lumMod val="60000"/>
+              <a:lumOff val="40000"/>
+            </a:schemeClr>
+          </a:solidFill>
+          <a:ln w="12700">
+            <a:solidFill>
+              <a:schemeClr val="tx1"/>
+            </a:solidFill>
+          </a:ln>
+        </p:spPr>
+        <p:style>
+          <a:lnRef idx="2">
+            <a:schemeClr val="accent1">
+              <a:shade val="50000"/>
+            </a:schemeClr>
+          </a:lnRef>
+          <a:fillRef idx="1">
+            <a:schemeClr val="accent1"/>
+          </a:fillRef>
+          <a:effectRef idx="0">
+            <a:schemeClr val="accent1"/>
+          </a:effectRef>
+          <a:fontRef idx="minor">
+            <a:schemeClr val="lt1"/>
+          </a:fontRef>
+        </p:style>
+        <p:txBody>
+          <a:bodyPr rtlCol="0" anchor="ctr"/>
+          <a:lstStyle/>
+          <a:p>
+            <a:pPr algn="ctr"/>
+            <a:r>
+              <a:rPr lang="es-ES" sz="1100" b="1" dirty="0">
+                <a:solidFill>
+                  <a:schemeClr val="tx1"/>
+                </a:solidFill>
+                <a:cs typeface="Courier New" panose="02070309020205020404" pitchFamily="49" charset="0"/>
+              </a:rPr>
+              <a:t>TF-IDF</a:t>
+            </a:r>
+            <a:r>
+              <a:rPr lang="es-ES" sz="1600" b="1" dirty="0">
+                <a:solidFill>
+                  <a:schemeClr val="tx1"/>
+                </a:solidFill>
+                <a:cs typeface="Courier New" panose="02070309020205020404" pitchFamily="49" charset="0"/>
+              </a:rPr>
+              <a:t> </a:t>
+            </a:r>
+          </a:p>
+        </p:txBody>
+      </p:sp>
+      <p:sp>
+        <p:nvSpPr>
+          <p:cNvPr id="21" name="Rectángulo 20">
+            <a:extLst>
+              <a:ext uri="{FF2B5EF4-FFF2-40B4-BE49-F238E27FC236}">
+                <a16:creationId xmlns:a16="http://schemas.microsoft.com/office/drawing/2014/main" id="{30327037-93A4-470B-8FA2-101F97B7EBA4}"/>
+              </a:ext>
+            </a:extLst>
+          </p:cNvPr>
+          <p:cNvSpPr/>
+          <p:nvPr/>
+        </p:nvSpPr>
+        <p:spPr>
+          <a:xfrm>
+            <a:off x="2275114" y="973308"/>
+            <a:ext cx="1256651" cy="369332"/>
+          </a:xfrm>
+          <a:prstGeom prst="rect">
+            <a:avLst/>
+          </a:prstGeom>
+          <a:solidFill>
+            <a:schemeClr val="accent6">
+              <a:lumMod val="60000"/>
+              <a:lumOff val="40000"/>
+            </a:schemeClr>
+          </a:solidFill>
+          <a:ln w="12700">
+            <a:solidFill>
+              <a:schemeClr val="tx1"/>
+            </a:solidFill>
+          </a:ln>
+        </p:spPr>
+        <p:style>
+          <a:lnRef idx="2">
+            <a:schemeClr val="accent1">
+              <a:shade val="50000"/>
+            </a:schemeClr>
+          </a:lnRef>
+          <a:fillRef idx="1">
+            <a:schemeClr val="accent1"/>
+          </a:fillRef>
+          <a:effectRef idx="0">
+            <a:schemeClr val="accent1"/>
+          </a:effectRef>
+          <a:fontRef idx="minor">
+            <a:schemeClr val="lt1"/>
+          </a:fontRef>
+        </p:style>
+        <p:txBody>
+          <a:bodyPr rtlCol="0" anchor="ctr"/>
+          <a:lstStyle/>
+          <a:p>
+            <a:pPr algn="ctr"/>
+            <a:r>
+              <a:rPr lang="es-ES" sz="1100" b="1" dirty="0">
+                <a:solidFill>
+                  <a:schemeClr val="tx1"/>
+                </a:solidFill>
+                <a:cs typeface="Courier New" panose="02070309020205020404" pitchFamily="49" charset="0"/>
+              </a:rPr>
+              <a:t>Word-</a:t>
+            </a:r>
+            <a:r>
+              <a:rPr lang="es-ES" sz="1100" b="1" dirty="0" err="1">
+                <a:solidFill>
+                  <a:schemeClr val="tx1"/>
+                </a:solidFill>
+                <a:cs typeface="Courier New" panose="02070309020205020404" pitchFamily="49" charset="0"/>
+              </a:rPr>
+              <a:t>embedding</a:t>
+            </a:r>
+            <a:endParaRPr lang="es-ES" sz="1100" b="1" dirty="0">
+              <a:solidFill>
+                <a:schemeClr val="tx1"/>
+              </a:solidFill>
+              <a:cs typeface="Courier New" panose="02070309020205020404" pitchFamily="49" charset="0"/>
+            </a:endParaRPr>
+          </a:p>
+        </p:txBody>
+      </p:sp>
+      <p:cxnSp>
+        <p:nvCxnSpPr>
+          <p:cNvPr id="23" name="Conector recto de flecha 22">
+            <a:extLst>
+              <a:ext uri="{FF2B5EF4-FFF2-40B4-BE49-F238E27FC236}">
+                <a16:creationId xmlns:a16="http://schemas.microsoft.com/office/drawing/2014/main" id="{D2AEC9FB-835B-4617-9EDF-6E325EAD893B}"/>
+              </a:ext>
+            </a:extLst>
+          </p:cNvPr>
+          <p:cNvCxnSpPr>
+            <a:cxnSpLocks/>
+            <a:endCxn id="21" idx="1"/>
+          </p:cNvCxnSpPr>
+          <p:nvPr/>
+        </p:nvCxnSpPr>
+        <p:spPr>
+          <a:xfrm flipV="1">
+            <a:off x="1805584" y="1157974"/>
+            <a:ext cx="469530" cy="266114"/>
+          </a:xfrm>
+          <a:prstGeom prst="straightConnector1">
+            <a:avLst/>
+          </a:prstGeom>
+          <a:ln w="19050">
+            <a:solidFill>
+              <a:schemeClr val="tx1">
+                <a:lumMod val="90000"/>
+                <a:lumOff val="10000"/>
+              </a:schemeClr>
+            </a:solidFill>
+            <a:prstDash val="sysDash"/>
+            <a:tailEnd type="triangle"/>
+          </a:ln>
+        </p:spPr>
+        <p:style>
+          <a:lnRef idx="1">
+            <a:schemeClr val="accent1"/>
+          </a:lnRef>
+          <a:fillRef idx="0">
+            <a:schemeClr val="accent1"/>
+          </a:fillRef>
+          <a:effectRef idx="0">
+            <a:schemeClr val="accent1"/>
+          </a:effectRef>
+          <a:fontRef idx="minor">
+            <a:schemeClr val="tx1"/>
+          </a:fontRef>
+        </p:style>
+      </p:cxnSp>
+      <p:cxnSp>
+        <p:nvCxnSpPr>
+          <p:cNvPr id="24" name="Conector recto de flecha 23">
+            <a:extLst>
+              <a:ext uri="{FF2B5EF4-FFF2-40B4-BE49-F238E27FC236}">
+                <a16:creationId xmlns:a16="http://schemas.microsoft.com/office/drawing/2014/main" id="{49205735-C927-4DA4-A2BE-B0453E6CA4FD}"/>
+              </a:ext>
+            </a:extLst>
+          </p:cNvPr>
+          <p:cNvCxnSpPr>
+            <a:cxnSpLocks/>
+            <a:stCxn id="5" idx="3"/>
+            <a:endCxn id="19" idx="1"/>
+          </p:cNvCxnSpPr>
+          <p:nvPr/>
+        </p:nvCxnSpPr>
+        <p:spPr>
+          <a:xfrm>
+            <a:off x="1805584" y="1465326"/>
+            <a:ext cx="469530" cy="271797"/>
+          </a:xfrm>
+          <a:prstGeom prst="straightConnector1">
+            <a:avLst/>
+          </a:prstGeom>
+          <a:ln w="19050">
+            <a:solidFill>
+              <a:schemeClr val="tx1">
+                <a:lumMod val="90000"/>
+                <a:lumOff val="10000"/>
+              </a:schemeClr>
+            </a:solidFill>
+            <a:prstDash val="sysDash"/>
+            <a:tailEnd type="triangle"/>
+          </a:ln>
+        </p:spPr>
+        <p:style>
+          <a:lnRef idx="1">
+            <a:schemeClr val="accent1"/>
+          </a:lnRef>
+          <a:fillRef idx="0">
+            <a:schemeClr val="accent1"/>
+          </a:fillRef>
+          <a:effectRef idx="0">
+            <a:schemeClr val="accent1"/>
+          </a:effectRef>
+          <a:fontRef idx="minor">
+            <a:schemeClr val="tx1"/>
+          </a:fontRef>
+        </p:style>
+      </p:cxnSp>
+      <p:cxnSp>
+        <p:nvCxnSpPr>
+          <p:cNvPr id="25" name="Conector recto de flecha 24">
+            <a:extLst>
+              <a:ext uri="{FF2B5EF4-FFF2-40B4-BE49-F238E27FC236}">
+                <a16:creationId xmlns:a16="http://schemas.microsoft.com/office/drawing/2014/main" id="{E4A70D6A-4B51-44C6-A1B9-2376C4386DBA}"/>
+              </a:ext>
+            </a:extLst>
+          </p:cNvPr>
+          <p:cNvCxnSpPr>
+            <a:cxnSpLocks/>
+          </p:cNvCxnSpPr>
+          <p:nvPr/>
+        </p:nvCxnSpPr>
+        <p:spPr>
+          <a:xfrm>
+            <a:off x="3822056" y="2889406"/>
+            <a:ext cx="609253" cy="0"/>
+          </a:xfrm>
+          <a:prstGeom prst="straightConnector1">
+            <a:avLst/>
+          </a:prstGeom>
+          <a:ln w="57150">
+            <a:solidFill>
+              <a:schemeClr val="tx1">
+                <a:lumMod val="90000"/>
+                <a:lumOff val="10000"/>
+              </a:schemeClr>
+            </a:solidFill>
+            <a:tailEnd type="triangle"/>
+          </a:ln>
+        </p:spPr>
+        <p:style>
+          <a:lnRef idx="1">
+            <a:schemeClr val="accent1"/>
+          </a:lnRef>
+          <a:fillRef idx="0">
+            <a:schemeClr val="accent1"/>
+          </a:fillRef>
+          <a:effectRef idx="0">
+            <a:schemeClr val="accent1"/>
+          </a:effectRef>
+          <a:fontRef idx="minor">
+            <a:schemeClr val="tx1"/>
+          </a:fontRef>
+        </p:style>
+      </p:cxnSp>
+      <p:sp>
+        <p:nvSpPr>
+          <p:cNvPr id="28" name="CuadroTexto 27">
+            <a:extLst>
+              <a:ext uri="{FF2B5EF4-FFF2-40B4-BE49-F238E27FC236}">
+                <a16:creationId xmlns:a16="http://schemas.microsoft.com/office/drawing/2014/main" id="{7CBAC394-82ED-4C18-9421-8FAEAA06E357}"/>
+              </a:ext>
+            </a:extLst>
+          </p:cNvPr>
+          <p:cNvSpPr txBox="1"/>
+          <p:nvPr/>
+        </p:nvSpPr>
+        <p:spPr>
+          <a:xfrm>
+            <a:off x="4284888" y="235368"/>
+            <a:ext cx="2356918" cy="369332"/>
+          </a:xfrm>
+          <a:prstGeom prst="rect">
+            <a:avLst/>
+          </a:prstGeom>
+          <a:noFill/>
+        </p:spPr>
+        <p:txBody>
+          <a:bodyPr wrap="square" rtlCol="0">
+            <a:spAutoFit/>
+          </a:bodyPr>
+          <a:lstStyle/>
+          <a:p>
+            <a:r>
+              <a:rPr lang="es-ES" b="1" dirty="0" err="1"/>
+              <a:t>Feature</a:t>
+            </a:r>
+            <a:r>
+              <a:rPr lang="es-ES" b="1" dirty="0"/>
+              <a:t> </a:t>
+            </a:r>
+            <a:r>
+              <a:rPr lang="es-ES" b="1" dirty="0" err="1"/>
+              <a:t>concatenation</a:t>
+            </a:r>
+            <a:endParaRPr lang="es-ES" b="1" dirty="0"/>
+          </a:p>
+        </p:txBody>
+      </p:sp>
+      <p:sp>
+        <p:nvSpPr>
+          <p:cNvPr id="29" name="Rectángulo 28">
+            <a:extLst>
+              <a:ext uri="{FF2B5EF4-FFF2-40B4-BE49-F238E27FC236}">
+                <a16:creationId xmlns:a16="http://schemas.microsoft.com/office/drawing/2014/main" id="{FD1633B2-E2B1-4BEF-BEA3-305530FAE979}"/>
+              </a:ext>
+            </a:extLst>
+          </p:cNvPr>
+          <p:cNvSpPr/>
+          <p:nvPr/>
+        </p:nvSpPr>
+        <p:spPr>
+          <a:xfrm>
+            <a:off x="4762317" y="984640"/>
+            <a:ext cx="1402060" cy="868236"/>
+          </a:xfrm>
+          <a:prstGeom prst="rect">
+            <a:avLst/>
+          </a:prstGeom>
+          <a:solidFill>
+            <a:schemeClr val="accent6">
+              <a:lumMod val="60000"/>
+              <a:lumOff val="40000"/>
+            </a:schemeClr>
+          </a:solidFill>
+          <a:ln w="12700">
+            <a:solidFill>
+              <a:schemeClr val="tx1"/>
+            </a:solidFill>
+          </a:ln>
+        </p:spPr>
+        <p:style>
+          <a:lnRef idx="2">
+            <a:schemeClr val="accent1">
+              <a:shade val="50000"/>
+            </a:schemeClr>
+          </a:lnRef>
+          <a:fillRef idx="1">
+            <a:schemeClr val="accent1"/>
+          </a:fillRef>
+          <a:effectRef idx="0">
+            <a:schemeClr val="accent1"/>
+          </a:effectRef>
+          <a:fontRef idx="minor">
+            <a:schemeClr val="lt1"/>
+          </a:fontRef>
+        </p:style>
+        <p:txBody>
+          <a:bodyPr rtlCol="0" anchor="ctr"/>
+          <a:lstStyle/>
+          <a:p>
+            <a:pPr algn="ctr"/>
+            <a:r>
+              <a:rPr lang="es-ES" sz="1100" b="1" dirty="0">
+                <a:solidFill>
+                  <a:schemeClr val="tx1"/>
+                </a:solidFill>
+              </a:rPr>
+              <a:t>Text </a:t>
+            </a:r>
+            <a:r>
+              <a:rPr lang="es-ES" sz="1100" b="1" dirty="0" err="1">
+                <a:solidFill>
+                  <a:schemeClr val="tx1"/>
+                </a:solidFill>
+              </a:rPr>
+              <a:t>Cleaning</a:t>
+            </a:r>
+            <a:r>
+              <a:rPr lang="es-ES" sz="1100" b="1" dirty="0">
+                <a:solidFill>
+                  <a:schemeClr val="tx1"/>
+                </a:solidFill>
+              </a:rPr>
+              <a:t> </a:t>
+            </a:r>
+          </a:p>
+          <a:p>
+            <a:pPr algn="ctr"/>
+            <a:r>
+              <a:rPr lang="es-ES" sz="900" b="1" dirty="0">
+                <a:solidFill>
+                  <a:schemeClr val="tx1"/>
+                </a:solidFill>
+              </a:rPr>
+              <a:t>+</a:t>
+            </a:r>
+          </a:p>
+          <a:p>
+            <a:pPr algn="ctr"/>
+            <a:r>
+              <a:rPr lang="es-ES" sz="1100" b="1" dirty="0" err="1">
+                <a:solidFill>
+                  <a:schemeClr val="tx1"/>
+                </a:solidFill>
+              </a:rPr>
+              <a:t>Numeric</a:t>
+            </a:r>
+            <a:r>
+              <a:rPr lang="es-ES" sz="1100" b="1" dirty="0">
+                <a:solidFill>
+                  <a:schemeClr val="tx1"/>
+                </a:solidFill>
+              </a:rPr>
+              <a:t> </a:t>
+            </a:r>
+            <a:r>
+              <a:rPr lang="es-ES" sz="1100" b="1" dirty="0" err="1">
+                <a:solidFill>
+                  <a:schemeClr val="tx1"/>
+                </a:solidFill>
+              </a:rPr>
+              <a:t>features</a:t>
+            </a:r>
+            <a:endParaRPr lang="es-ES" sz="1100" b="1" dirty="0">
+              <a:solidFill>
+                <a:schemeClr val="tx1"/>
+              </a:solidFill>
+            </a:endParaRPr>
+          </a:p>
+          <a:p>
+            <a:pPr algn="ctr"/>
+            <a:r>
+              <a:rPr lang="es-ES" sz="900" b="1" dirty="0">
+                <a:solidFill>
+                  <a:schemeClr val="tx1"/>
+                </a:solidFill>
+              </a:rPr>
+              <a:t>+</a:t>
+            </a:r>
+          </a:p>
+          <a:p>
+            <a:pPr algn="ctr"/>
+            <a:r>
+              <a:rPr lang="es-ES" sz="1100" b="1" dirty="0" err="1">
+                <a:solidFill>
+                  <a:schemeClr val="tx1"/>
+                </a:solidFill>
+              </a:rPr>
+              <a:t>Categorical</a:t>
+            </a:r>
+            <a:r>
+              <a:rPr lang="es-ES" sz="1100" b="1" dirty="0">
+                <a:solidFill>
+                  <a:schemeClr val="tx1"/>
+                </a:solidFill>
+              </a:rPr>
+              <a:t> </a:t>
+            </a:r>
+            <a:r>
+              <a:rPr lang="es-ES" sz="1100" b="1" dirty="0" err="1">
+                <a:solidFill>
+                  <a:schemeClr val="tx1"/>
+                </a:solidFill>
+              </a:rPr>
+              <a:t>features</a:t>
+            </a:r>
+            <a:endParaRPr lang="es-ES" sz="1400" b="1" dirty="0">
+              <a:solidFill>
+                <a:schemeClr val="tx1"/>
+              </a:solidFill>
+            </a:endParaRPr>
+          </a:p>
+        </p:txBody>
+      </p:sp>
+      <p:sp>
+        <p:nvSpPr>
+          <p:cNvPr id="30" name="Rectángulo 29">
+            <a:extLst>
+              <a:ext uri="{FF2B5EF4-FFF2-40B4-BE49-F238E27FC236}">
+                <a16:creationId xmlns:a16="http://schemas.microsoft.com/office/drawing/2014/main" id="{F1EA0219-768E-43CE-8B12-4D595D11CA55}"/>
+              </a:ext>
+            </a:extLst>
+          </p:cNvPr>
+          <p:cNvSpPr/>
+          <p:nvPr/>
+        </p:nvSpPr>
+        <p:spPr>
+          <a:xfrm>
+            <a:off x="4762317" y="2295007"/>
+            <a:ext cx="1402060" cy="868236"/>
+          </a:xfrm>
+          <a:prstGeom prst="rect">
+            <a:avLst/>
+          </a:prstGeom>
+          <a:solidFill>
+            <a:schemeClr val="accent6">
+              <a:lumMod val="60000"/>
+              <a:lumOff val="40000"/>
+            </a:schemeClr>
+          </a:solidFill>
+          <a:ln w="12700">
+            <a:solidFill>
+              <a:schemeClr val="tx1"/>
+            </a:solidFill>
+          </a:ln>
+        </p:spPr>
+        <p:style>
+          <a:lnRef idx="2">
+            <a:schemeClr val="accent1">
+              <a:shade val="50000"/>
+            </a:schemeClr>
+          </a:lnRef>
+          <a:fillRef idx="1">
+            <a:schemeClr val="accent1"/>
+          </a:fillRef>
+          <a:effectRef idx="0">
+            <a:schemeClr val="accent1"/>
+          </a:effectRef>
+          <a:fontRef idx="minor">
+            <a:schemeClr val="lt1"/>
+          </a:fontRef>
+        </p:style>
+        <p:txBody>
+          <a:bodyPr rtlCol="0" anchor="ctr"/>
+          <a:lstStyle/>
+          <a:p>
+            <a:pPr algn="ctr"/>
+            <a:r>
+              <a:rPr lang="es-ES" sz="1100" b="1" dirty="0">
+                <a:solidFill>
+                  <a:schemeClr val="tx1"/>
+                </a:solidFill>
+              </a:rPr>
+              <a:t>Word-</a:t>
+            </a:r>
+            <a:r>
+              <a:rPr lang="es-ES" sz="1100" b="1" dirty="0" err="1">
+                <a:solidFill>
+                  <a:schemeClr val="tx1"/>
+                </a:solidFill>
+              </a:rPr>
+              <a:t>embedding</a:t>
+            </a:r>
+            <a:endParaRPr lang="es-ES" sz="1100" b="1" dirty="0">
+              <a:solidFill>
+                <a:schemeClr val="tx1"/>
+              </a:solidFill>
+            </a:endParaRPr>
+          </a:p>
+          <a:p>
+            <a:pPr algn="ctr"/>
+            <a:r>
+              <a:rPr lang="es-ES" sz="900" b="1" dirty="0">
+                <a:solidFill>
+                  <a:schemeClr val="tx1"/>
+                </a:solidFill>
+              </a:rPr>
+              <a:t>+</a:t>
+            </a:r>
+          </a:p>
+          <a:p>
+            <a:pPr algn="ctr"/>
+            <a:r>
+              <a:rPr lang="es-ES" sz="1100" b="1" dirty="0" err="1">
+                <a:solidFill>
+                  <a:schemeClr val="tx1"/>
+                </a:solidFill>
+              </a:rPr>
+              <a:t>Numeric</a:t>
+            </a:r>
+            <a:r>
+              <a:rPr lang="es-ES" sz="1100" b="1" dirty="0">
+                <a:solidFill>
+                  <a:schemeClr val="tx1"/>
+                </a:solidFill>
+              </a:rPr>
+              <a:t> </a:t>
+            </a:r>
+            <a:r>
+              <a:rPr lang="es-ES" sz="1100" b="1" dirty="0" err="1">
+                <a:solidFill>
+                  <a:schemeClr val="tx1"/>
+                </a:solidFill>
+              </a:rPr>
+              <a:t>features</a:t>
+            </a:r>
+            <a:endParaRPr lang="es-ES" sz="1100" b="1" dirty="0">
+              <a:solidFill>
+                <a:schemeClr val="tx1"/>
+              </a:solidFill>
+            </a:endParaRPr>
+          </a:p>
+          <a:p>
+            <a:pPr algn="ctr"/>
+            <a:r>
+              <a:rPr lang="es-ES" sz="900" b="1" dirty="0">
+                <a:solidFill>
+                  <a:schemeClr val="tx1"/>
+                </a:solidFill>
+              </a:rPr>
+              <a:t>+</a:t>
+            </a:r>
+          </a:p>
+          <a:p>
+            <a:pPr algn="ctr"/>
+            <a:r>
+              <a:rPr lang="es-ES" sz="1100" b="1" dirty="0" err="1">
+                <a:solidFill>
+                  <a:schemeClr val="tx1"/>
+                </a:solidFill>
+              </a:rPr>
+              <a:t>Categorical</a:t>
+            </a:r>
+            <a:r>
+              <a:rPr lang="es-ES" sz="1100" b="1" dirty="0">
+                <a:solidFill>
+                  <a:schemeClr val="tx1"/>
+                </a:solidFill>
+              </a:rPr>
+              <a:t> </a:t>
+            </a:r>
+            <a:r>
+              <a:rPr lang="es-ES" sz="1100" b="1" dirty="0" err="1">
+                <a:solidFill>
+                  <a:schemeClr val="tx1"/>
+                </a:solidFill>
+              </a:rPr>
+              <a:t>features</a:t>
+            </a:r>
+            <a:endParaRPr lang="es-ES" sz="1400" b="1" dirty="0">
+              <a:solidFill>
+                <a:schemeClr val="tx1"/>
+              </a:solidFill>
+            </a:endParaRPr>
+          </a:p>
+        </p:txBody>
+      </p:sp>
+      <p:sp>
+        <p:nvSpPr>
+          <p:cNvPr id="31" name="Rectángulo 30">
+            <a:extLst>
+              <a:ext uri="{FF2B5EF4-FFF2-40B4-BE49-F238E27FC236}">
+                <a16:creationId xmlns:a16="http://schemas.microsoft.com/office/drawing/2014/main" id="{1CF8AE2F-77A6-41B6-B223-6A7F685AD9F2}"/>
+              </a:ext>
+            </a:extLst>
+          </p:cNvPr>
+          <p:cNvSpPr/>
+          <p:nvPr/>
+        </p:nvSpPr>
+        <p:spPr>
+          <a:xfrm>
+            <a:off x="4762317" y="3854833"/>
+            <a:ext cx="1402060" cy="868236"/>
+          </a:xfrm>
+          <a:prstGeom prst="rect">
+            <a:avLst/>
+          </a:prstGeom>
+          <a:solidFill>
+            <a:schemeClr val="accent6">
+              <a:lumMod val="60000"/>
+              <a:lumOff val="40000"/>
+            </a:schemeClr>
+          </a:solidFill>
+          <a:ln w="12700">
+            <a:solidFill>
+              <a:schemeClr val="tx1"/>
+            </a:solidFill>
+          </a:ln>
+        </p:spPr>
+        <p:style>
+          <a:lnRef idx="2">
+            <a:schemeClr val="accent1">
+              <a:shade val="50000"/>
+            </a:schemeClr>
+          </a:lnRef>
+          <a:fillRef idx="1">
+            <a:schemeClr val="accent1"/>
+          </a:fillRef>
+          <a:effectRef idx="0">
+            <a:schemeClr val="accent1"/>
+          </a:effectRef>
+          <a:fontRef idx="minor">
+            <a:schemeClr val="lt1"/>
+          </a:fontRef>
+        </p:style>
+        <p:txBody>
+          <a:bodyPr rtlCol="0" anchor="ctr"/>
+          <a:lstStyle/>
+          <a:p>
+            <a:pPr algn="ctr"/>
+            <a:r>
+              <a:rPr lang="es-ES" sz="1100" b="1" dirty="0">
+                <a:solidFill>
+                  <a:schemeClr val="tx1"/>
+                </a:solidFill>
+              </a:rPr>
+              <a:t>TF-IDF</a:t>
+            </a:r>
+          </a:p>
+          <a:p>
+            <a:pPr algn="ctr"/>
+            <a:r>
+              <a:rPr lang="es-ES" sz="900" b="1" dirty="0">
+                <a:solidFill>
+                  <a:schemeClr val="tx1"/>
+                </a:solidFill>
+              </a:rPr>
+              <a:t>+</a:t>
+            </a:r>
+          </a:p>
+          <a:p>
+            <a:pPr algn="ctr"/>
+            <a:r>
+              <a:rPr lang="es-ES" sz="1100" b="1" dirty="0" err="1">
+                <a:solidFill>
+                  <a:schemeClr val="tx1"/>
+                </a:solidFill>
+              </a:rPr>
+              <a:t>Numeric</a:t>
+            </a:r>
+            <a:r>
+              <a:rPr lang="es-ES" sz="1100" b="1" dirty="0">
+                <a:solidFill>
+                  <a:schemeClr val="tx1"/>
+                </a:solidFill>
+              </a:rPr>
+              <a:t> </a:t>
+            </a:r>
+            <a:r>
+              <a:rPr lang="es-ES" sz="1100" b="1" dirty="0" err="1">
+                <a:solidFill>
+                  <a:schemeClr val="tx1"/>
+                </a:solidFill>
+              </a:rPr>
+              <a:t>features</a:t>
+            </a:r>
+            <a:endParaRPr lang="es-ES" sz="1100" b="1" dirty="0">
+              <a:solidFill>
+                <a:schemeClr val="tx1"/>
+              </a:solidFill>
+            </a:endParaRPr>
+          </a:p>
+          <a:p>
+            <a:pPr algn="ctr"/>
+            <a:r>
+              <a:rPr lang="es-ES" sz="900" b="1" dirty="0">
+                <a:solidFill>
+                  <a:schemeClr val="tx1"/>
+                </a:solidFill>
+              </a:rPr>
+              <a:t>+</a:t>
+            </a:r>
+          </a:p>
+          <a:p>
+            <a:pPr algn="ctr"/>
+            <a:r>
+              <a:rPr lang="es-ES" sz="1100" b="1" dirty="0" err="1">
+                <a:solidFill>
+                  <a:schemeClr val="tx1"/>
+                </a:solidFill>
+              </a:rPr>
+              <a:t>Categorical</a:t>
+            </a:r>
+            <a:r>
+              <a:rPr lang="es-ES" sz="1100" b="1" dirty="0">
+                <a:solidFill>
+                  <a:schemeClr val="tx1"/>
+                </a:solidFill>
+              </a:rPr>
+              <a:t> </a:t>
+            </a:r>
+            <a:r>
+              <a:rPr lang="es-ES" sz="1100" b="1" dirty="0" err="1">
+                <a:solidFill>
+                  <a:schemeClr val="tx1"/>
+                </a:solidFill>
+              </a:rPr>
+              <a:t>features</a:t>
+            </a:r>
+            <a:endParaRPr lang="es-ES" sz="1400" b="1" dirty="0">
+              <a:solidFill>
+                <a:schemeClr val="tx1"/>
+              </a:solidFill>
+            </a:endParaRPr>
+          </a:p>
+        </p:txBody>
+      </p:sp>
+      <p:sp>
+        <p:nvSpPr>
+          <p:cNvPr id="34" name="CuadroTexto 33">
+            <a:extLst>
+              <a:ext uri="{FF2B5EF4-FFF2-40B4-BE49-F238E27FC236}">
+                <a16:creationId xmlns:a16="http://schemas.microsoft.com/office/drawing/2014/main" id="{5C881B96-D0F2-4AF7-9F7F-4A22ED08BD4B}"/>
+              </a:ext>
+            </a:extLst>
+          </p:cNvPr>
+          <p:cNvSpPr txBox="1"/>
+          <p:nvPr/>
+        </p:nvSpPr>
+        <p:spPr>
+          <a:xfrm>
+            <a:off x="7706340" y="231366"/>
+            <a:ext cx="2356918" cy="369332"/>
+          </a:xfrm>
+          <a:prstGeom prst="rect">
+            <a:avLst/>
+          </a:prstGeom>
+          <a:noFill/>
+        </p:spPr>
+        <p:txBody>
+          <a:bodyPr wrap="square" rtlCol="0">
+            <a:spAutoFit/>
+          </a:bodyPr>
+          <a:lstStyle/>
+          <a:p>
+            <a:r>
+              <a:rPr lang="es-ES" b="1" dirty="0" err="1"/>
+              <a:t>Classification</a:t>
+            </a:r>
+            <a:endParaRPr lang="es-ES" b="1" dirty="0"/>
+          </a:p>
+        </p:txBody>
+      </p:sp>
+      <p:sp>
+        <p:nvSpPr>
+          <p:cNvPr id="36" name="Rectángulo 35">
+            <a:extLst>
+              <a:ext uri="{FF2B5EF4-FFF2-40B4-BE49-F238E27FC236}">
+                <a16:creationId xmlns:a16="http://schemas.microsoft.com/office/drawing/2014/main" id="{74FD7D20-35F5-4066-A2B6-3B9AE9ED69FD}"/>
+              </a:ext>
+            </a:extLst>
+          </p:cNvPr>
+          <p:cNvSpPr/>
+          <p:nvPr/>
+        </p:nvSpPr>
+        <p:spPr>
+          <a:xfrm>
+            <a:off x="7568826" y="1169738"/>
+            <a:ext cx="1680632" cy="434118"/>
+          </a:xfrm>
+          <a:prstGeom prst="rect">
+            <a:avLst/>
+          </a:prstGeom>
+          <a:solidFill>
+            <a:schemeClr val="accent6">
+              <a:lumMod val="60000"/>
+              <a:lumOff val="40000"/>
+            </a:schemeClr>
+          </a:solidFill>
+          <a:ln w="12700">
+            <a:solidFill>
+              <a:schemeClr val="tx1"/>
+            </a:solidFill>
+          </a:ln>
+        </p:spPr>
+        <p:style>
+          <a:lnRef idx="2">
+            <a:schemeClr val="accent1">
+              <a:shade val="50000"/>
+            </a:schemeClr>
+          </a:lnRef>
+          <a:fillRef idx="1">
+            <a:schemeClr val="accent1"/>
+          </a:fillRef>
+          <a:effectRef idx="0">
+            <a:schemeClr val="accent1"/>
+          </a:effectRef>
+          <a:fontRef idx="minor">
+            <a:schemeClr val="lt1"/>
+          </a:fontRef>
+        </p:style>
+        <p:txBody>
+          <a:bodyPr rtlCol="0" anchor="ctr"/>
+          <a:lstStyle/>
+          <a:p>
+            <a:pPr algn="ctr"/>
+            <a:r>
+              <a:rPr lang="es-ES" sz="1600" b="1" dirty="0" err="1">
+                <a:solidFill>
+                  <a:schemeClr val="tx1"/>
+                </a:solidFill>
+                <a:cs typeface="Courier New" panose="02070309020205020404" pitchFamily="49" charset="0"/>
+              </a:rPr>
+              <a:t>Multilingual</a:t>
+            </a:r>
+            <a:r>
+              <a:rPr lang="es-ES" sz="1600" b="1" dirty="0">
+                <a:solidFill>
+                  <a:schemeClr val="tx1"/>
+                </a:solidFill>
+                <a:cs typeface="Courier New" panose="02070309020205020404" pitchFamily="49" charset="0"/>
+              </a:rPr>
+              <a:t> BERT</a:t>
+            </a:r>
+          </a:p>
+        </p:txBody>
+      </p:sp>
+      <p:sp>
+        <p:nvSpPr>
+          <p:cNvPr id="38" name="Rectángulo 37">
+            <a:extLst>
+              <a:ext uri="{FF2B5EF4-FFF2-40B4-BE49-F238E27FC236}">
+                <a16:creationId xmlns:a16="http://schemas.microsoft.com/office/drawing/2014/main" id="{45D36597-34EE-4FD6-85E3-355DC1139F7C}"/>
+              </a:ext>
+            </a:extLst>
+          </p:cNvPr>
+          <p:cNvSpPr/>
+          <p:nvPr/>
+        </p:nvSpPr>
+        <p:spPr>
+          <a:xfrm>
+            <a:off x="7568826" y="2514898"/>
+            <a:ext cx="1680632" cy="434118"/>
+          </a:xfrm>
+          <a:prstGeom prst="rect">
+            <a:avLst/>
+          </a:prstGeom>
+          <a:solidFill>
+            <a:schemeClr val="accent6">
+              <a:lumMod val="60000"/>
+              <a:lumOff val="40000"/>
+            </a:schemeClr>
+          </a:solidFill>
+          <a:ln w="12700">
+            <a:solidFill>
+              <a:schemeClr val="tx1"/>
+            </a:solidFill>
+          </a:ln>
+        </p:spPr>
+        <p:style>
+          <a:lnRef idx="2">
+            <a:schemeClr val="accent1">
+              <a:shade val="50000"/>
+            </a:schemeClr>
+          </a:lnRef>
+          <a:fillRef idx="1">
+            <a:schemeClr val="accent1"/>
+          </a:fillRef>
+          <a:effectRef idx="0">
+            <a:schemeClr val="accent1"/>
+          </a:effectRef>
+          <a:fontRef idx="minor">
+            <a:schemeClr val="lt1"/>
+          </a:fontRef>
+        </p:style>
+        <p:txBody>
+          <a:bodyPr rtlCol="0" anchor="ctr"/>
+          <a:lstStyle/>
+          <a:p>
+            <a:pPr algn="ctr"/>
+            <a:r>
+              <a:rPr lang="es-ES" sz="1600" b="1" dirty="0">
+                <a:solidFill>
+                  <a:schemeClr val="tx1"/>
+                </a:solidFill>
+                <a:cs typeface="Courier New" panose="02070309020205020404" pitchFamily="49" charset="0"/>
+              </a:rPr>
+              <a:t>Bi-LSTM</a:t>
+            </a:r>
+          </a:p>
+        </p:txBody>
+      </p:sp>
+      <p:sp>
+        <p:nvSpPr>
+          <p:cNvPr id="39" name="Rectángulo 38">
+            <a:extLst>
+              <a:ext uri="{FF2B5EF4-FFF2-40B4-BE49-F238E27FC236}">
+                <a16:creationId xmlns:a16="http://schemas.microsoft.com/office/drawing/2014/main" id="{0E3693DF-F147-42D4-A7A5-2ED1B3891B30}"/>
+              </a:ext>
+            </a:extLst>
+          </p:cNvPr>
+          <p:cNvSpPr/>
+          <p:nvPr/>
+        </p:nvSpPr>
+        <p:spPr>
+          <a:xfrm>
+            <a:off x="7910236" y="3866425"/>
+            <a:ext cx="997812" cy="936415"/>
+          </a:xfrm>
+          <a:prstGeom prst="rect">
+            <a:avLst/>
+          </a:prstGeom>
+          <a:solidFill>
+            <a:schemeClr val="accent6">
+              <a:lumMod val="60000"/>
+              <a:lumOff val="40000"/>
+            </a:schemeClr>
+          </a:solidFill>
+          <a:ln w="12700">
+            <a:solidFill>
+              <a:schemeClr val="tx1"/>
+            </a:solidFill>
+          </a:ln>
+        </p:spPr>
+        <p:style>
+          <a:lnRef idx="2">
+            <a:schemeClr val="accent1">
+              <a:shade val="50000"/>
+            </a:schemeClr>
+          </a:lnRef>
+          <a:fillRef idx="1">
+            <a:schemeClr val="accent1"/>
+          </a:fillRef>
+          <a:effectRef idx="0">
+            <a:schemeClr val="accent1"/>
+          </a:effectRef>
+          <a:fontRef idx="minor">
+            <a:schemeClr val="lt1"/>
+          </a:fontRef>
+        </p:style>
+        <p:txBody>
+          <a:bodyPr rtlCol="0" anchor="ctr"/>
+          <a:lstStyle/>
+          <a:p>
+            <a:pPr algn="ctr"/>
+            <a:r>
+              <a:rPr lang="es-ES" sz="1600" b="1" dirty="0">
+                <a:solidFill>
+                  <a:schemeClr val="tx1"/>
+                </a:solidFill>
+                <a:cs typeface="Courier New" panose="02070309020205020404" pitchFamily="49" charset="0"/>
+              </a:rPr>
+              <a:t>LR</a:t>
+            </a:r>
+          </a:p>
+          <a:p>
+            <a:pPr algn="ctr"/>
+            <a:r>
+              <a:rPr lang="es-ES" sz="1600" b="1" dirty="0">
+                <a:solidFill>
+                  <a:schemeClr val="tx1"/>
+                </a:solidFill>
+                <a:cs typeface="Courier New" panose="02070309020205020404" pitchFamily="49" charset="0"/>
+              </a:rPr>
+              <a:t>RF</a:t>
+            </a:r>
+          </a:p>
+          <a:p>
+            <a:pPr algn="ctr"/>
+            <a:r>
+              <a:rPr lang="es-ES" sz="1600" b="1" dirty="0">
+                <a:solidFill>
+                  <a:schemeClr val="tx1"/>
+                </a:solidFill>
+                <a:cs typeface="Courier New" panose="02070309020205020404" pitchFamily="49" charset="0"/>
+              </a:rPr>
+              <a:t>SV</a:t>
+            </a:r>
+          </a:p>
+        </p:txBody>
+      </p:sp>
+      <p:sp>
+        <p:nvSpPr>
+          <p:cNvPr id="42" name="Elipse 41">
+            <a:extLst>
+              <a:ext uri="{FF2B5EF4-FFF2-40B4-BE49-F238E27FC236}">
+                <a16:creationId xmlns:a16="http://schemas.microsoft.com/office/drawing/2014/main" id="{57E9B917-8EBD-4DD9-A498-AAA8EA613FB9}"/>
+              </a:ext>
+            </a:extLst>
+          </p:cNvPr>
+          <p:cNvSpPr/>
+          <p:nvPr/>
+        </p:nvSpPr>
+        <p:spPr>
+          <a:xfrm>
+            <a:off x="10230991" y="2383679"/>
+            <a:ext cx="1723321" cy="1130674"/>
+          </a:xfrm>
+          <a:prstGeom prst="ellipse">
+            <a:avLst/>
+          </a:prstGeom>
+          <a:solidFill>
+            <a:schemeClr val="accent6">
+              <a:lumMod val="60000"/>
+              <a:lumOff val="40000"/>
+            </a:schemeClr>
+          </a:solidFill>
+          <a:ln w="12700">
+            <a:solidFill>
+              <a:schemeClr val="tx1"/>
+            </a:solidFill>
+          </a:ln>
+        </p:spPr>
+        <p:style>
+          <a:lnRef idx="2">
+            <a:schemeClr val="accent1">
+              <a:shade val="50000"/>
+            </a:schemeClr>
+          </a:lnRef>
+          <a:fillRef idx="1">
+            <a:schemeClr val="accent1"/>
+          </a:fillRef>
+          <a:effectRef idx="0">
+            <a:schemeClr val="accent1"/>
+          </a:effectRef>
+          <a:fontRef idx="minor">
+            <a:schemeClr val="lt1"/>
+          </a:fontRef>
+        </p:style>
+        <p:txBody>
+          <a:bodyPr rtlCol="0" anchor="ctr"/>
+          <a:lstStyle/>
+          <a:p>
+            <a:pPr algn="ctr"/>
+            <a:r>
+              <a:rPr lang="es-ES" sz="1600" b="1" dirty="0">
+                <a:solidFill>
+                  <a:schemeClr val="tx1"/>
+                </a:solidFill>
+                <a:cs typeface="Courier New" panose="02070309020205020404" pitchFamily="49" charset="0"/>
+              </a:rPr>
+              <a:t>Output:</a:t>
+            </a:r>
+          </a:p>
+          <a:p>
+            <a:pPr marL="171450" lvl="0" indent="-171450">
+              <a:buFont typeface="Wingdings" panose="05000000000000000000" pitchFamily="2" charset="2"/>
+              <a:buChar char="§"/>
+            </a:pPr>
+            <a:r>
+              <a:rPr lang="es-ES" sz="1000" b="1" dirty="0">
+                <a:solidFill>
+                  <a:prstClr val="black"/>
+                </a:solidFill>
+              </a:rPr>
+              <a:t>MACHISMO</a:t>
+            </a:r>
+          </a:p>
+          <a:p>
+            <a:pPr marL="171450" lvl="0" indent="-171450">
+              <a:buFont typeface="Wingdings" panose="05000000000000000000" pitchFamily="2" charset="2"/>
+              <a:buChar char="§"/>
+            </a:pPr>
+            <a:r>
+              <a:rPr lang="es-ES" sz="1000" b="1" dirty="0">
+                <a:solidFill>
+                  <a:prstClr val="black"/>
+                </a:solidFill>
+              </a:rPr>
+              <a:t>NO_MACHISMO</a:t>
+            </a:r>
+          </a:p>
+          <a:p>
+            <a:pPr marL="171450" lvl="0" indent="-171450">
+              <a:buFont typeface="Wingdings" panose="05000000000000000000" pitchFamily="2" charset="2"/>
+              <a:buChar char="§"/>
+            </a:pPr>
+            <a:r>
+              <a:rPr lang="es-ES" sz="1000" b="1" dirty="0">
+                <a:solidFill>
+                  <a:prstClr val="black"/>
+                </a:solidFill>
+              </a:rPr>
+              <a:t>DUDOSO</a:t>
+            </a:r>
+          </a:p>
+          <a:p>
+            <a:pPr algn="ctr"/>
+            <a:endParaRPr lang="es-ES" sz="1600" b="1" dirty="0">
+              <a:solidFill>
+                <a:schemeClr val="tx1"/>
+              </a:solidFill>
+              <a:cs typeface="Courier New" panose="02070309020205020404" pitchFamily="49" charset="0"/>
+            </a:endParaRPr>
+          </a:p>
+        </p:txBody>
+      </p:sp>
+      <p:cxnSp>
+        <p:nvCxnSpPr>
+          <p:cNvPr id="53" name="Conector recto de flecha 52">
+            <a:extLst>
+              <a:ext uri="{FF2B5EF4-FFF2-40B4-BE49-F238E27FC236}">
+                <a16:creationId xmlns:a16="http://schemas.microsoft.com/office/drawing/2014/main" id="{E4294976-1B2C-4006-A022-0B76153170FD}"/>
+              </a:ext>
+            </a:extLst>
+          </p:cNvPr>
+          <p:cNvCxnSpPr>
+            <a:cxnSpLocks/>
+          </p:cNvCxnSpPr>
+          <p:nvPr/>
+        </p:nvCxnSpPr>
+        <p:spPr>
+          <a:xfrm>
+            <a:off x="9716119" y="2942641"/>
+            <a:ext cx="489705" cy="6375"/>
+          </a:xfrm>
+          <a:prstGeom prst="straightConnector1">
+            <a:avLst/>
+          </a:prstGeom>
+          <a:ln w="57150">
+            <a:solidFill>
+              <a:schemeClr val="tx1">
+                <a:lumMod val="90000"/>
+                <a:lumOff val="10000"/>
+              </a:schemeClr>
+            </a:solidFill>
+            <a:tailEnd type="triangle"/>
+          </a:ln>
+        </p:spPr>
+        <p:style>
+          <a:lnRef idx="1">
+            <a:schemeClr val="accent1"/>
+          </a:lnRef>
+          <a:fillRef idx="0">
+            <a:schemeClr val="accent1"/>
+          </a:fillRef>
+          <a:effectRef idx="0">
+            <a:schemeClr val="accent1"/>
+          </a:effectRef>
+          <a:fontRef idx="minor">
+            <a:schemeClr val="tx1"/>
+          </a:fontRef>
+        </p:style>
+      </p:cxnSp>
+      <p:cxnSp>
+        <p:nvCxnSpPr>
+          <p:cNvPr id="57" name="Conector recto de flecha 56">
+            <a:extLst>
+              <a:ext uri="{FF2B5EF4-FFF2-40B4-BE49-F238E27FC236}">
+                <a16:creationId xmlns:a16="http://schemas.microsoft.com/office/drawing/2014/main" id="{5A49FE0B-55EB-4789-9EF1-95714238D5D8}"/>
+              </a:ext>
+            </a:extLst>
+          </p:cNvPr>
+          <p:cNvCxnSpPr>
+            <a:cxnSpLocks/>
+          </p:cNvCxnSpPr>
+          <p:nvPr/>
+        </p:nvCxnSpPr>
+        <p:spPr>
+          <a:xfrm>
+            <a:off x="6164377" y="4256913"/>
+            <a:ext cx="1745859" cy="0"/>
+          </a:xfrm>
+          <a:prstGeom prst="straightConnector1">
+            <a:avLst/>
+          </a:prstGeom>
+          <a:ln w="19050">
+            <a:solidFill>
+              <a:schemeClr val="tx1">
+                <a:lumMod val="90000"/>
+                <a:lumOff val="10000"/>
+              </a:schemeClr>
+            </a:solidFill>
+            <a:prstDash val="dash"/>
+            <a:tailEnd type="triangle"/>
+          </a:ln>
+        </p:spPr>
+        <p:style>
+          <a:lnRef idx="1">
+            <a:schemeClr val="accent1"/>
+          </a:lnRef>
+          <a:fillRef idx="0">
+            <a:schemeClr val="accent1"/>
+          </a:fillRef>
+          <a:effectRef idx="0">
+            <a:schemeClr val="accent1"/>
+          </a:effectRef>
+          <a:fontRef idx="minor">
+            <a:schemeClr val="tx1"/>
+          </a:fontRef>
+        </p:style>
+      </p:cxnSp>
+      <p:cxnSp>
+        <p:nvCxnSpPr>
+          <p:cNvPr id="59" name="Conector recto de flecha 58">
+            <a:extLst>
+              <a:ext uri="{FF2B5EF4-FFF2-40B4-BE49-F238E27FC236}">
+                <a16:creationId xmlns:a16="http://schemas.microsoft.com/office/drawing/2014/main" id="{1D6240B4-895B-4576-98D2-F7582B172361}"/>
+              </a:ext>
+            </a:extLst>
+          </p:cNvPr>
+          <p:cNvCxnSpPr>
+            <a:cxnSpLocks/>
+          </p:cNvCxnSpPr>
+          <p:nvPr/>
+        </p:nvCxnSpPr>
+        <p:spPr>
+          <a:xfrm>
+            <a:off x="6164377" y="2672792"/>
+            <a:ext cx="1404449" cy="0"/>
+          </a:xfrm>
+          <a:prstGeom prst="straightConnector1">
+            <a:avLst/>
+          </a:prstGeom>
+          <a:ln w="19050">
+            <a:solidFill>
+              <a:schemeClr val="tx1">
+                <a:lumMod val="90000"/>
+                <a:lumOff val="10000"/>
+              </a:schemeClr>
+            </a:solidFill>
+            <a:prstDash val="dash"/>
+            <a:tailEnd type="triangle"/>
+          </a:ln>
+        </p:spPr>
+        <p:style>
+          <a:lnRef idx="1">
+            <a:schemeClr val="accent1"/>
+          </a:lnRef>
+          <a:fillRef idx="0">
+            <a:schemeClr val="accent1"/>
+          </a:fillRef>
+          <a:effectRef idx="0">
+            <a:schemeClr val="accent1"/>
+          </a:effectRef>
+          <a:fontRef idx="minor">
+            <a:schemeClr val="tx1"/>
+          </a:fontRef>
+        </p:style>
+      </p:cxnSp>
+      <p:cxnSp>
+        <p:nvCxnSpPr>
+          <p:cNvPr id="61" name="Conector recto de flecha 60">
+            <a:extLst>
+              <a:ext uri="{FF2B5EF4-FFF2-40B4-BE49-F238E27FC236}">
+                <a16:creationId xmlns:a16="http://schemas.microsoft.com/office/drawing/2014/main" id="{49D4D744-8EEB-4BAD-805B-5A9E87AA44B5}"/>
+              </a:ext>
+            </a:extLst>
+          </p:cNvPr>
+          <p:cNvCxnSpPr>
+            <a:cxnSpLocks/>
+          </p:cNvCxnSpPr>
+          <p:nvPr/>
+        </p:nvCxnSpPr>
+        <p:spPr>
+          <a:xfrm>
+            <a:off x="6164377" y="1357520"/>
+            <a:ext cx="1404449" cy="0"/>
+          </a:xfrm>
+          <a:prstGeom prst="straightConnector1">
+            <a:avLst/>
+          </a:prstGeom>
+          <a:ln w="19050">
+            <a:solidFill>
+              <a:schemeClr val="tx1">
+                <a:lumMod val="90000"/>
+                <a:lumOff val="10000"/>
+              </a:schemeClr>
+            </a:solidFill>
+            <a:prstDash val="dash"/>
+            <a:tailEnd type="triangle"/>
+          </a:ln>
+        </p:spPr>
+        <p:style>
+          <a:lnRef idx="1">
+            <a:schemeClr val="accent1"/>
+          </a:lnRef>
+          <a:fillRef idx="0">
+            <a:schemeClr val="accent1"/>
+          </a:fillRef>
+          <a:effectRef idx="0">
+            <a:schemeClr val="accent1"/>
+          </a:effectRef>
+          <a:fontRef idx="minor">
+            <a:schemeClr val="tx1"/>
+          </a:fontRef>
+        </p:style>
+      </p:cxnSp>
+    </p:spTree>
+    <p:extLst>
+      <p:ext uri="{BB962C8B-B14F-4D97-AF65-F5344CB8AC3E}">
+        <p14:creationId xmlns:p14="http://schemas.microsoft.com/office/powerpoint/2010/main" val="4276256835"/>
+      </p:ext>
+    </p:extLst>
+  </p:cSld>
+  <p:clrMapOvr>
+    <a:masterClrMapping/>
+  </p:clrMapOvr>
+</p:sld>
+</file>
+
+<file path=ppt/slides/slide3.xml><?xml version="1.0" encoding="utf-8"?>
+<p:sld xmlns:a="http://schemas.openxmlformats.org/drawingml/2006/main" xmlns:r="http://schemas.openxmlformats.org/officeDocument/2006/relationships" xmlns:p="http://schemas.openxmlformats.org/presentationml/2006/main">
+  <p:cSld>
+    <p:spTree>
+      <p:nvGrpSpPr>
+        <p:cNvPr id="1" name=""/>
+        <p:cNvGrpSpPr/>
+        <p:nvPr/>
+      </p:nvGrpSpPr>
+      <p:grpSpPr>
+        <a:xfrm>
+          <a:off x="0" y="0"/>
+          <a:ext cx="0" cy="0"/>
+          <a:chOff x="0" y="0"/>
+          <a:chExt cx="0" cy="0"/>
+        </a:xfrm>
+      </p:grpSpPr>
+      <p:sp>
+        <p:nvSpPr>
+          <p:cNvPr id="32" name="Rectángulo 31">
+            <a:extLst>
+              <a:ext uri="{FF2B5EF4-FFF2-40B4-BE49-F238E27FC236}">
+                <a16:creationId xmlns:a16="http://schemas.microsoft.com/office/drawing/2014/main" id="{7A395159-D82C-4F34-B720-63F2B7E02FF8}"/>
+              </a:ext>
+            </a:extLst>
+          </p:cNvPr>
+          <p:cNvSpPr/>
+          <p:nvPr/>
+        </p:nvSpPr>
+        <p:spPr>
+          <a:xfrm>
+            <a:off x="7119419" y="656903"/>
+            <a:ext cx="2541555" cy="4571474"/>
+          </a:xfrm>
+          <a:prstGeom prst="rect">
+            <a:avLst/>
+          </a:prstGeom>
+          <a:solidFill>
+            <a:schemeClr val="bg1"/>
+          </a:solidFill>
+          <a:ln w="12700">
+            <a:solidFill>
+              <a:schemeClr val="tx1"/>
+            </a:solidFill>
+            <a:prstDash val="lgDash"/>
+          </a:ln>
+        </p:spPr>
+        <p:style>
+          <a:lnRef idx="2">
+            <a:schemeClr val="accent1">
+              <a:shade val="50000"/>
+            </a:schemeClr>
+          </a:lnRef>
+          <a:fillRef idx="1">
+            <a:schemeClr val="accent1"/>
+          </a:fillRef>
+          <a:effectRef idx="0">
+            <a:schemeClr val="accent1"/>
+          </a:effectRef>
+          <a:fontRef idx="minor">
+            <a:schemeClr val="lt1"/>
+          </a:fontRef>
+        </p:style>
+        <p:txBody>
+          <a:bodyPr rtlCol="0" anchor="ctr"/>
+          <a:lstStyle/>
+          <a:p>
+            <a:pPr algn="ctr"/>
+            <a:endParaRPr lang="en-US" sz="1400" dirty="0">
+              <a:solidFill>
+                <a:schemeClr val="tx1"/>
+              </a:solidFill>
+            </a:endParaRPr>
+          </a:p>
+        </p:txBody>
+      </p:sp>
+      <p:sp>
+        <p:nvSpPr>
+          <p:cNvPr id="26" name="Rectángulo 25">
+            <a:extLst>
+              <a:ext uri="{FF2B5EF4-FFF2-40B4-BE49-F238E27FC236}">
+                <a16:creationId xmlns:a16="http://schemas.microsoft.com/office/drawing/2014/main" id="{8B952F74-2FC2-46D2-9782-5C2A0C8956B2}"/>
+              </a:ext>
+            </a:extLst>
+          </p:cNvPr>
+          <p:cNvSpPr/>
+          <p:nvPr/>
+        </p:nvSpPr>
+        <p:spPr>
+          <a:xfrm>
+            <a:off x="4500386" y="656903"/>
+            <a:ext cx="1929468" cy="4571474"/>
+          </a:xfrm>
+          <a:prstGeom prst="rect">
+            <a:avLst/>
+          </a:prstGeom>
+          <a:solidFill>
+            <a:schemeClr val="bg1"/>
+          </a:solidFill>
+          <a:ln w="12700">
+            <a:solidFill>
+              <a:schemeClr val="tx1"/>
+            </a:solidFill>
+            <a:prstDash val="lgDash"/>
+          </a:ln>
+        </p:spPr>
+        <p:style>
+          <a:lnRef idx="2">
+            <a:schemeClr val="accent1">
+              <a:shade val="50000"/>
+            </a:schemeClr>
+          </a:lnRef>
+          <a:fillRef idx="1">
+            <a:schemeClr val="accent1"/>
+          </a:fillRef>
+          <a:effectRef idx="0">
+            <a:schemeClr val="accent1"/>
+          </a:effectRef>
+          <a:fontRef idx="minor">
+            <a:schemeClr val="lt1"/>
+          </a:fontRef>
+        </p:style>
+        <p:txBody>
+          <a:bodyPr rtlCol="0" anchor="ctr"/>
+          <a:lstStyle/>
+          <a:p>
+            <a:pPr algn="ctr"/>
+            <a:endParaRPr lang="en-US" sz="1400" dirty="0">
+              <a:solidFill>
+                <a:schemeClr val="tx1"/>
+              </a:solidFill>
+            </a:endParaRPr>
+          </a:p>
+        </p:txBody>
+      </p:sp>
+      <p:sp>
+        <p:nvSpPr>
+          <p:cNvPr id="7" name="Rectángulo 6">
+            <a:extLst>
+              <a:ext uri="{FF2B5EF4-FFF2-40B4-BE49-F238E27FC236}">
+                <a16:creationId xmlns:a16="http://schemas.microsoft.com/office/drawing/2014/main" id="{5313E4D6-7D68-45ED-87DA-366B5FF9AEF6}"/>
+              </a:ext>
+            </a:extLst>
+          </p:cNvPr>
+          <p:cNvSpPr/>
+          <p:nvPr/>
+        </p:nvSpPr>
+        <p:spPr>
+          <a:xfrm>
+            <a:off x="352338" y="646478"/>
+            <a:ext cx="3422708" cy="4571474"/>
+          </a:xfrm>
+          <a:prstGeom prst="rect">
+            <a:avLst/>
+          </a:prstGeom>
+          <a:solidFill>
+            <a:schemeClr val="bg1"/>
+          </a:solidFill>
+          <a:ln w="12700">
+            <a:solidFill>
+              <a:schemeClr val="tx1"/>
+            </a:solidFill>
+            <a:prstDash val="lgDash"/>
+          </a:ln>
+        </p:spPr>
+        <p:style>
+          <a:lnRef idx="2">
+            <a:schemeClr val="accent1">
+              <a:shade val="50000"/>
+            </a:schemeClr>
+          </a:lnRef>
+          <a:fillRef idx="1">
+            <a:schemeClr val="accent1"/>
+          </a:fillRef>
+          <a:effectRef idx="0">
+            <a:schemeClr val="accent1"/>
+          </a:effectRef>
+          <a:fontRef idx="minor">
+            <a:schemeClr val="lt1"/>
+          </a:fontRef>
+        </p:style>
+        <p:txBody>
+          <a:bodyPr rtlCol="0" anchor="ctr"/>
+          <a:lstStyle/>
+          <a:p>
+            <a:pPr algn="ctr"/>
+            <a:endParaRPr lang="en-US" sz="1400" dirty="0">
+              <a:solidFill>
+                <a:schemeClr val="tx1"/>
+              </a:solidFill>
+            </a:endParaRPr>
+          </a:p>
+        </p:txBody>
+      </p:sp>
+      <p:sp>
+        <p:nvSpPr>
+          <p:cNvPr id="8" name="Rectángulo 7">
+            <a:extLst>
+              <a:ext uri="{FF2B5EF4-FFF2-40B4-BE49-F238E27FC236}">
+                <a16:creationId xmlns:a16="http://schemas.microsoft.com/office/drawing/2014/main" id="{645592EC-C056-46F7-BBC6-9635954491AC}"/>
+              </a:ext>
+            </a:extLst>
+          </p:cNvPr>
+          <p:cNvSpPr/>
+          <p:nvPr/>
+        </p:nvSpPr>
+        <p:spPr>
+          <a:xfrm>
+            <a:off x="1182054" y="2514898"/>
+            <a:ext cx="1991711" cy="847276"/>
+          </a:xfrm>
+          <a:prstGeom prst="rect">
+            <a:avLst/>
+          </a:prstGeom>
+          <a:solidFill>
+            <a:schemeClr val="accent6">
+              <a:lumMod val="60000"/>
+              <a:lumOff val="40000"/>
+            </a:schemeClr>
+          </a:solidFill>
+          <a:ln w="12700">
+            <a:solidFill>
+              <a:schemeClr val="tx1"/>
+            </a:solidFill>
+          </a:ln>
+        </p:spPr>
+        <p:style>
+          <a:lnRef idx="2">
+            <a:schemeClr val="accent1">
+              <a:shade val="50000"/>
+            </a:schemeClr>
+          </a:lnRef>
+          <a:fillRef idx="1">
+            <a:schemeClr val="accent1"/>
+          </a:fillRef>
+          <a:effectRef idx="0">
+            <a:schemeClr val="accent1"/>
+          </a:effectRef>
+          <a:fontRef idx="minor">
+            <a:schemeClr val="lt1"/>
+          </a:fontRef>
+        </p:style>
+        <p:txBody>
+          <a:bodyPr rtlCol="0" anchor="ctr"/>
+          <a:lstStyle/>
+          <a:p>
+            <a:pPr algn="ctr"/>
+            <a:r>
+              <a:rPr lang="es-ES" sz="1400" b="1" dirty="0" err="1">
+                <a:solidFill>
+                  <a:schemeClr val="tx1"/>
+                </a:solidFill>
+              </a:rPr>
+              <a:t>Numeric</a:t>
+            </a:r>
+            <a:r>
+              <a:rPr lang="es-ES" sz="1400" b="1" dirty="0">
+                <a:solidFill>
+                  <a:schemeClr val="tx1"/>
+                </a:solidFill>
+              </a:rPr>
+              <a:t> </a:t>
+            </a:r>
+            <a:r>
+              <a:rPr lang="es-ES" sz="1400" b="1" dirty="0" err="1">
+                <a:solidFill>
+                  <a:schemeClr val="tx1"/>
+                </a:solidFill>
+              </a:rPr>
+              <a:t>features</a:t>
+            </a:r>
+            <a:endParaRPr lang="es-ES" sz="1400" b="1" dirty="0">
+              <a:solidFill>
+                <a:schemeClr val="tx1"/>
+              </a:solidFill>
+            </a:endParaRPr>
+          </a:p>
+          <a:p>
+            <a:pPr marL="171450" indent="-171450">
+              <a:buFont typeface="Wingdings" panose="05000000000000000000" pitchFamily="2" charset="2"/>
+              <a:buChar char="§"/>
+            </a:pPr>
+            <a:r>
+              <a:rPr lang="es-ES" sz="1000" b="1" dirty="0" err="1">
+                <a:solidFill>
+                  <a:schemeClr val="tx1"/>
+                </a:solidFill>
+                <a:latin typeface="Courier New" panose="02070309020205020404" pitchFamily="49" charset="0"/>
+                <a:cs typeface="Courier New" panose="02070309020205020404" pitchFamily="49" charset="0"/>
+              </a:rPr>
+              <a:t>SimpleImputer</a:t>
+            </a:r>
+            <a:endParaRPr lang="es-ES" sz="1000" b="1" dirty="0">
+              <a:solidFill>
+                <a:schemeClr val="tx1"/>
+              </a:solidFill>
+              <a:latin typeface="Courier New" panose="02070309020205020404" pitchFamily="49" charset="0"/>
+              <a:cs typeface="Courier New" panose="02070309020205020404" pitchFamily="49" charset="0"/>
+            </a:endParaRPr>
+          </a:p>
+          <a:p>
+            <a:pPr marL="171450" indent="-171450">
+              <a:buFont typeface="Wingdings" panose="05000000000000000000" pitchFamily="2" charset="2"/>
+              <a:buChar char="§"/>
+            </a:pPr>
+            <a:r>
+              <a:rPr lang="es-ES" sz="1000" b="1" dirty="0" err="1">
+                <a:solidFill>
+                  <a:schemeClr val="tx1"/>
+                </a:solidFill>
+                <a:latin typeface="Courier New" panose="02070309020205020404" pitchFamily="49" charset="0"/>
+                <a:cs typeface="Courier New" panose="02070309020205020404" pitchFamily="49" charset="0"/>
+              </a:rPr>
+              <a:t>Scaler</a:t>
+            </a:r>
+            <a:endParaRPr lang="en-US" sz="1000" b="1" dirty="0">
+              <a:solidFill>
+                <a:schemeClr val="tx1"/>
+              </a:solidFill>
+              <a:latin typeface="Courier New" panose="02070309020205020404" pitchFamily="49" charset="0"/>
+              <a:cs typeface="Courier New" panose="02070309020205020404" pitchFamily="49" charset="0"/>
+            </a:endParaRPr>
+          </a:p>
+        </p:txBody>
+      </p:sp>
+      <p:sp>
+        <p:nvSpPr>
+          <p:cNvPr id="9" name="Rectángulo 8">
+            <a:extLst>
+              <a:ext uri="{FF2B5EF4-FFF2-40B4-BE49-F238E27FC236}">
+                <a16:creationId xmlns:a16="http://schemas.microsoft.com/office/drawing/2014/main" id="{976C6180-BB2A-4B59-9146-1C4F0246000F}"/>
+              </a:ext>
+            </a:extLst>
+          </p:cNvPr>
+          <p:cNvSpPr/>
+          <p:nvPr/>
+        </p:nvSpPr>
+        <p:spPr>
+          <a:xfrm>
+            <a:off x="1142273" y="3866425"/>
+            <a:ext cx="2031492" cy="847276"/>
+          </a:xfrm>
+          <a:prstGeom prst="rect">
+            <a:avLst/>
+          </a:prstGeom>
+          <a:solidFill>
+            <a:schemeClr val="accent6">
+              <a:lumMod val="60000"/>
+              <a:lumOff val="40000"/>
+            </a:schemeClr>
+          </a:solidFill>
+          <a:ln w="12700">
+            <a:solidFill>
+              <a:schemeClr val="tx1"/>
+            </a:solidFill>
+          </a:ln>
+        </p:spPr>
+        <p:style>
+          <a:lnRef idx="2">
+            <a:schemeClr val="accent1">
+              <a:shade val="50000"/>
+            </a:schemeClr>
+          </a:lnRef>
+          <a:fillRef idx="1">
+            <a:schemeClr val="accent1"/>
+          </a:fillRef>
+          <a:effectRef idx="0">
+            <a:schemeClr val="accent1"/>
+          </a:effectRef>
+          <a:fontRef idx="minor">
+            <a:schemeClr val="lt1"/>
+          </a:fontRef>
+        </p:style>
+        <p:txBody>
+          <a:bodyPr rtlCol="0" anchor="ctr"/>
+          <a:lstStyle/>
+          <a:p>
+            <a:pPr algn="ctr"/>
+            <a:r>
+              <a:rPr lang="es-ES" sz="1400" b="1" dirty="0" err="1">
+                <a:solidFill>
+                  <a:schemeClr val="tx1"/>
+                </a:solidFill>
+              </a:rPr>
+              <a:t>Categorical</a:t>
+            </a:r>
+            <a:r>
+              <a:rPr lang="es-ES" sz="1400" b="1" dirty="0">
+                <a:solidFill>
+                  <a:schemeClr val="tx1"/>
+                </a:solidFill>
+              </a:rPr>
+              <a:t> </a:t>
+            </a:r>
+            <a:r>
+              <a:rPr lang="es-ES" sz="1400" b="1" dirty="0" err="1">
+                <a:solidFill>
+                  <a:schemeClr val="tx1"/>
+                </a:solidFill>
+              </a:rPr>
+              <a:t>features</a:t>
+            </a:r>
+            <a:endParaRPr lang="es-ES" sz="1400" b="1" dirty="0">
+              <a:solidFill>
+                <a:schemeClr val="tx1"/>
+              </a:solidFill>
+            </a:endParaRPr>
+          </a:p>
+          <a:p>
+            <a:pPr marL="171450" indent="-171450">
+              <a:buFont typeface="Wingdings" panose="05000000000000000000" pitchFamily="2" charset="2"/>
+              <a:buChar char="§"/>
+            </a:pPr>
+            <a:r>
+              <a:rPr lang="es-ES" sz="1000" b="1" dirty="0" err="1">
+                <a:solidFill>
+                  <a:schemeClr val="tx1"/>
+                </a:solidFill>
+                <a:latin typeface="Courier New" panose="02070309020205020404" pitchFamily="49" charset="0"/>
+                <a:cs typeface="Courier New" panose="02070309020205020404" pitchFamily="49" charset="0"/>
+              </a:rPr>
+              <a:t>SimpleImputer</a:t>
+            </a:r>
+            <a:endParaRPr lang="es-ES" sz="1000" b="1" dirty="0">
+              <a:solidFill>
+                <a:schemeClr val="tx1"/>
+              </a:solidFill>
+              <a:latin typeface="Courier New" panose="02070309020205020404" pitchFamily="49" charset="0"/>
+              <a:cs typeface="Courier New" panose="02070309020205020404" pitchFamily="49" charset="0"/>
+            </a:endParaRPr>
+          </a:p>
+          <a:p>
+            <a:pPr marL="171450" indent="-171450">
+              <a:buFont typeface="Wingdings" panose="05000000000000000000" pitchFamily="2" charset="2"/>
+              <a:buChar char="§"/>
+            </a:pPr>
+            <a:r>
+              <a:rPr lang="es-ES" sz="1000" b="1" dirty="0" err="1">
+                <a:solidFill>
+                  <a:schemeClr val="tx1"/>
+                </a:solidFill>
+                <a:latin typeface="Courier New" panose="02070309020205020404" pitchFamily="49" charset="0"/>
+                <a:cs typeface="Courier New" panose="02070309020205020404" pitchFamily="49" charset="0"/>
+              </a:rPr>
+              <a:t>OneHotEncoder</a:t>
+            </a:r>
+            <a:endParaRPr lang="en-US" sz="1000" b="1" dirty="0">
+              <a:solidFill>
+                <a:schemeClr val="tx1"/>
+              </a:solidFill>
+              <a:latin typeface="Courier New" panose="02070309020205020404" pitchFamily="49" charset="0"/>
+              <a:cs typeface="Courier New" panose="02070309020205020404" pitchFamily="49" charset="0"/>
+            </a:endParaRPr>
+          </a:p>
+        </p:txBody>
+      </p:sp>
+      <p:sp>
+        <p:nvSpPr>
+          <p:cNvPr id="35" name="CuadroTexto 34">
+            <a:extLst>
+              <a:ext uri="{FF2B5EF4-FFF2-40B4-BE49-F238E27FC236}">
+                <a16:creationId xmlns:a16="http://schemas.microsoft.com/office/drawing/2014/main" id="{CB6C6954-E0E9-45C6-A829-9A39154967B5}"/>
+              </a:ext>
+            </a:extLst>
+          </p:cNvPr>
+          <p:cNvSpPr txBox="1"/>
+          <p:nvPr/>
+        </p:nvSpPr>
+        <p:spPr>
+          <a:xfrm>
+            <a:off x="1142273" y="235908"/>
+            <a:ext cx="2111055" cy="369332"/>
+          </a:xfrm>
+          <a:prstGeom prst="rect">
+            <a:avLst/>
+          </a:prstGeom>
+          <a:noFill/>
+        </p:spPr>
+        <p:txBody>
+          <a:bodyPr wrap="square" rtlCol="0">
+            <a:spAutoFit/>
+          </a:bodyPr>
+          <a:lstStyle/>
+          <a:p>
+            <a:r>
+              <a:rPr lang="es-ES" b="1" dirty="0" err="1"/>
+              <a:t>Feature</a:t>
+            </a:r>
+            <a:r>
+              <a:rPr lang="es-ES" b="1" dirty="0"/>
+              <a:t> </a:t>
+            </a:r>
+            <a:r>
+              <a:rPr lang="es-ES" b="1" dirty="0" err="1"/>
+              <a:t>extraction</a:t>
+            </a:r>
+            <a:endParaRPr lang="es-ES" b="1" dirty="0"/>
+          </a:p>
+        </p:txBody>
+      </p:sp>
+      <p:sp>
+        <p:nvSpPr>
+          <p:cNvPr id="5" name="Rectángulo 4">
+            <a:extLst>
+              <a:ext uri="{FF2B5EF4-FFF2-40B4-BE49-F238E27FC236}">
+                <a16:creationId xmlns:a16="http://schemas.microsoft.com/office/drawing/2014/main" id="{16F4BC07-E48C-4DDF-BDAE-3D02A8ACA660}"/>
+              </a:ext>
+            </a:extLst>
+          </p:cNvPr>
+          <p:cNvSpPr/>
+          <p:nvPr/>
+        </p:nvSpPr>
+        <p:spPr>
+          <a:xfrm>
+            <a:off x="478963" y="1169738"/>
+            <a:ext cx="1326621" cy="591176"/>
+          </a:xfrm>
+          <a:prstGeom prst="rect">
+            <a:avLst/>
+          </a:prstGeom>
+          <a:solidFill>
+            <a:schemeClr val="accent6">
+              <a:lumMod val="60000"/>
+              <a:lumOff val="40000"/>
+            </a:schemeClr>
+          </a:solidFill>
+          <a:ln w="12700">
+            <a:solidFill>
+              <a:schemeClr val="tx1"/>
+            </a:solidFill>
+          </a:ln>
+        </p:spPr>
+        <p:style>
+          <a:lnRef idx="2">
+            <a:schemeClr val="accent1">
+              <a:shade val="50000"/>
+            </a:schemeClr>
+          </a:lnRef>
+          <a:fillRef idx="1">
+            <a:schemeClr val="accent1"/>
+          </a:fillRef>
+          <a:effectRef idx="0">
+            <a:schemeClr val="accent1"/>
+          </a:effectRef>
+          <a:fontRef idx="minor">
+            <a:schemeClr val="lt1"/>
+          </a:fontRef>
+        </p:style>
+        <p:txBody>
+          <a:bodyPr rtlCol="0" anchor="ctr"/>
+          <a:lstStyle/>
+          <a:p>
+            <a:pPr algn="ctr"/>
+            <a:r>
+              <a:rPr lang="es-ES" sz="1600" b="1" dirty="0">
+                <a:solidFill>
+                  <a:schemeClr val="tx1"/>
+                </a:solidFill>
+                <a:cs typeface="Courier New" panose="02070309020205020404" pitchFamily="49" charset="0"/>
+              </a:rPr>
+              <a:t>Text </a:t>
+            </a:r>
+            <a:r>
+              <a:rPr lang="es-ES" sz="1600" b="1" dirty="0" err="1">
+                <a:solidFill>
+                  <a:schemeClr val="tx1"/>
+                </a:solidFill>
+                <a:cs typeface="Courier New" panose="02070309020205020404" pitchFamily="49" charset="0"/>
+              </a:rPr>
+              <a:t>Cleaning</a:t>
+            </a:r>
+            <a:endParaRPr lang="es-ES" sz="1600" b="1" dirty="0">
+              <a:solidFill>
+                <a:schemeClr val="tx1"/>
+              </a:solidFill>
+              <a:cs typeface="Courier New" panose="02070309020205020404" pitchFamily="49" charset="0"/>
+            </a:endParaRPr>
+          </a:p>
+        </p:txBody>
+      </p:sp>
+      <p:sp>
+        <p:nvSpPr>
+          <p:cNvPr id="19" name="Rectángulo 18">
+            <a:extLst>
+              <a:ext uri="{FF2B5EF4-FFF2-40B4-BE49-F238E27FC236}">
+                <a16:creationId xmlns:a16="http://schemas.microsoft.com/office/drawing/2014/main" id="{31E1F752-3E35-4FCC-9A8B-08A936C64034}"/>
+              </a:ext>
+            </a:extLst>
+          </p:cNvPr>
+          <p:cNvSpPr/>
+          <p:nvPr/>
+        </p:nvSpPr>
+        <p:spPr>
+          <a:xfrm>
+            <a:off x="2275114" y="1552457"/>
+            <a:ext cx="802426" cy="369332"/>
+          </a:xfrm>
+          <a:prstGeom prst="rect">
+            <a:avLst/>
+          </a:prstGeom>
+          <a:solidFill>
+            <a:schemeClr val="accent6">
+              <a:lumMod val="60000"/>
+              <a:lumOff val="40000"/>
+            </a:schemeClr>
+          </a:solidFill>
+          <a:ln w="12700">
+            <a:solidFill>
+              <a:schemeClr val="tx1"/>
+            </a:solidFill>
+          </a:ln>
+        </p:spPr>
+        <p:style>
+          <a:lnRef idx="2">
+            <a:schemeClr val="accent1">
+              <a:shade val="50000"/>
+            </a:schemeClr>
+          </a:lnRef>
+          <a:fillRef idx="1">
+            <a:schemeClr val="accent1"/>
+          </a:fillRef>
+          <a:effectRef idx="0">
+            <a:schemeClr val="accent1"/>
+          </a:effectRef>
+          <a:fontRef idx="minor">
+            <a:schemeClr val="lt1"/>
+          </a:fontRef>
+        </p:style>
+        <p:txBody>
+          <a:bodyPr rtlCol="0" anchor="ctr"/>
+          <a:lstStyle/>
+          <a:p>
+            <a:pPr algn="ctr"/>
+            <a:r>
+              <a:rPr lang="es-ES" sz="1100" b="1" dirty="0">
+                <a:solidFill>
+                  <a:schemeClr val="tx1"/>
+                </a:solidFill>
+                <a:cs typeface="Courier New" panose="02070309020205020404" pitchFamily="49" charset="0"/>
+              </a:rPr>
+              <a:t>TF-IDF</a:t>
+            </a:r>
+            <a:r>
+              <a:rPr lang="es-ES" sz="1600" b="1" dirty="0">
+                <a:solidFill>
+                  <a:schemeClr val="tx1"/>
+                </a:solidFill>
+                <a:cs typeface="Courier New" panose="02070309020205020404" pitchFamily="49" charset="0"/>
+              </a:rPr>
+              <a:t> </a:t>
+            </a:r>
+          </a:p>
+        </p:txBody>
+      </p:sp>
+      <p:sp>
+        <p:nvSpPr>
+          <p:cNvPr id="21" name="Rectángulo 20">
+            <a:extLst>
+              <a:ext uri="{FF2B5EF4-FFF2-40B4-BE49-F238E27FC236}">
+                <a16:creationId xmlns:a16="http://schemas.microsoft.com/office/drawing/2014/main" id="{30327037-93A4-470B-8FA2-101F97B7EBA4}"/>
+              </a:ext>
+            </a:extLst>
+          </p:cNvPr>
+          <p:cNvSpPr/>
+          <p:nvPr/>
+        </p:nvSpPr>
+        <p:spPr>
+          <a:xfrm>
+            <a:off x="2275114" y="973308"/>
+            <a:ext cx="1256651" cy="369332"/>
+          </a:xfrm>
+          <a:prstGeom prst="rect">
+            <a:avLst/>
+          </a:prstGeom>
+          <a:solidFill>
+            <a:schemeClr val="accent6">
+              <a:lumMod val="60000"/>
+              <a:lumOff val="40000"/>
+            </a:schemeClr>
+          </a:solidFill>
+          <a:ln w="12700">
+            <a:solidFill>
+              <a:schemeClr val="tx1"/>
+            </a:solidFill>
+          </a:ln>
+        </p:spPr>
+        <p:style>
+          <a:lnRef idx="2">
+            <a:schemeClr val="accent1">
+              <a:shade val="50000"/>
+            </a:schemeClr>
+          </a:lnRef>
+          <a:fillRef idx="1">
+            <a:schemeClr val="accent1"/>
+          </a:fillRef>
+          <a:effectRef idx="0">
+            <a:schemeClr val="accent1"/>
+          </a:effectRef>
+          <a:fontRef idx="minor">
+            <a:schemeClr val="lt1"/>
+          </a:fontRef>
+        </p:style>
+        <p:txBody>
+          <a:bodyPr rtlCol="0" anchor="ctr"/>
+          <a:lstStyle/>
+          <a:p>
+            <a:pPr algn="ctr"/>
+            <a:r>
+              <a:rPr lang="es-ES" sz="1100" b="1" dirty="0">
+                <a:solidFill>
+                  <a:schemeClr val="tx1"/>
+                </a:solidFill>
+                <a:cs typeface="Courier New" panose="02070309020205020404" pitchFamily="49" charset="0"/>
+              </a:rPr>
+              <a:t>Word-</a:t>
+            </a:r>
+            <a:r>
+              <a:rPr lang="es-ES" sz="1100" b="1" dirty="0" err="1">
+                <a:solidFill>
+                  <a:schemeClr val="tx1"/>
+                </a:solidFill>
+                <a:cs typeface="Courier New" panose="02070309020205020404" pitchFamily="49" charset="0"/>
+              </a:rPr>
+              <a:t>embedding</a:t>
+            </a:r>
+            <a:endParaRPr lang="es-ES" sz="1100" b="1" dirty="0">
+              <a:solidFill>
+                <a:schemeClr val="tx1"/>
+              </a:solidFill>
+              <a:cs typeface="Courier New" panose="02070309020205020404" pitchFamily="49" charset="0"/>
+            </a:endParaRPr>
+          </a:p>
+        </p:txBody>
+      </p:sp>
+      <p:cxnSp>
+        <p:nvCxnSpPr>
+          <p:cNvPr id="23" name="Conector recto de flecha 22">
+            <a:extLst>
+              <a:ext uri="{FF2B5EF4-FFF2-40B4-BE49-F238E27FC236}">
+                <a16:creationId xmlns:a16="http://schemas.microsoft.com/office/drawing/2014/main" id="{D2AEC9FB-835B-4617-9EDF-6E325EAD893B}"/>
+              </a:ext>
+            </a:extLst>
+          </p:cNvPr>
+          <p:cNvCxnSpPr>
+            <a:cxnSpLocks/>
+            <a:endCxn id="21" idx="1"/>
+          </p:cNvCxnSpPr>
+          <p:nvPr/>
+        </p:nvCxnSpPr>
+        <p:spPr>
+          <a:xfrm flipV="1">
+            <a:off x="1805584" y="1157974"/>
+            <a:ext cx="469530" cy="266114"/>
+          </a:xfrm>
+          <a:prstGeom prst="straightConnector1">
+            <a:avLst/>
+          </a:prstGeom>
+          <a:ln w="19050">
+            <a:solidFill>
+              <a:schemeClr val="tx1">
+                <a:lumMod val="90000"/>
+                <a:lumOff val="10000"/>
+              </a:schemeClr>
+            </a:solidFill>
+            <a:prstDash val="sysDash"/>
+            <a:tailEnd type="triangle"/>
+          </a:ln>
+        </p:spPr>
+        <p:style>
+          <a:lnRef idx="1">
+            <a:schemeClr val="accent1"/>
+          </a:lnRef>
+          <a:fillRef idx="0">
+            <a:schemeClr val="accent1"/>
+          </a:fillRef>
+          <a:effectRef idx="0">
+            <a:schemeClr val="accent1"/>
+          </a:effectRef>
+          <a:fontRef idx="minor">
+            <a:schemeClr val="tx1"/>
+          </a:fontRef>
+        </p:style>
+      </p:cxnSp>
+      <p:cxnSp>
+        <p:nvCxnSpPr>
+          <p:cNvPr id="24" name="Conector recto de flecha 23">
+            <a:extLst>
+              <a:ext uri="{FF2B5EF4-FFF2-40B4-BE49-F238E27FC236}">
+                <a16:creationId xmlns:a16="http://schemas.microsoft.com/office/drawing/2014/main" id="{49205735-C927-4DA4-A2BE-B0453E6CA4FD}"/>
+              </a:ext>
+            </a:extLst>
+          </p:cNvPr>
+          <p:cNvCxnSpPr>
+            <a:cxnSpLocks/>
+            <a:stCxn id="5" idx="3"/>
+            <a:endCxn id="19" idx="1"/>
+          </p:cNvCxnSpPr>
+          <p:nvPr/>
+        </p:nvCxnSpPr>
+        <p:spPr>
+          <a:xfrm>
+            <a:off x="1805584" y="1465326"/>
+            <a:ext cx="469530" cy="271797"/>
+          </a:xfrm>
+          <a:prstGeom prst="straightConnector1">
+            <a:avLst/>
+          </a:prstGeom>
+          <a:ln w="19050">
+            <a:solidFill>
+              <a:schemeClr val="tx1">
+                <a:lumMod val="90000"/>
+                <a:lumOff val="10000"/>
+              </a:schemeClr>
+            </a:solidFill>
+            <a:prstDash val="sysDash"/>
+            <a:tailEnd type="triangle"/>
+          </a:ln>
+        </p:spPr>
+        <p:style>
+          <a:lnRef idx="1">
+            <a:schemeClr val="accent1"/>
+          </a:lnRef>
+          <a:fillRef idx="0">
+            <a:schemeClr val="accent1"/>
+          </a:fillRef>
+          <a:effectRef idx="0">
+            <a:schemeClr val="accent1"/>
+          </a:effectRef>
+          <a:fontRef idx="minor">
+            <a:schemeClr val="tx1"/>
+          </a:fontRef>
+        </p:style>
+      </p:cxnSp>
+      <p:cxnSp>
+        <p:nvCxnSpPr>
+          <p:cNvPr id="25" name="Conector recto de flecha 24">
+            <a:extLst>
+              <a:ext uri="{FF2B5EF4-FFF2-40B4-BE49-F238E27FC236}">
+                <a16:creationId xmlns:a16="http://schemas.microsoft.com/office/drawing/2014/main" id="{E4A70D6A-4B51-44C6-A1B9-2376C4386DBA}"/>
+              </a:ext>
+            </a:extLst>
+          </p:cNvPr>
+          <p:cNvCxnSpPr>
+            <a:cxnSpLocks/>
+          </p:cNvCxnSpPr>
+          <p:nvPr/>
+        </p:nvCxnSpPr>
+        <p:spPr>
+          <a:xfrm>
+            <a:off x="3822056" y="2889406"/>
+            <a:ext cx="609253" cy="0"/>
+          </a:xfrm>
+          <a:prstGeom prst="straightConnector1">
+            <a:avLst/>
+          </a:prstGeom>
+          <a:ln w="57150">
+            <a:solidFill>
+              <a:schemeClr val="tx1">
+                <a:lumMod val="90000"/>
+                <a:lumOff val="10000"/>
+              </a:schemeClr>
+            </a:solidFill>
+            <a:tailEnd type="triangle"/>
+          </a:ln>
+        </p:spPr>
+        <p:style>
+          <a:lnRef idx="1">
+            <a:schemeClr val="accent1"/>
+          </a:lnRef>
+          <a:fillRef idx="0">
+            <a:schemeClr val="accent1"/>
+          </a:fillRef>
+          <a:effectRef idx="0">
+            <a:schemeClr val="accent1"/>
+          </a:effectRef>
+          <a:fontRef idx="minor">
+            <a:schemeClr val="tx1"/>
+          </a:fontRef>
+        </p:style>
+      </p:cxnSp>
+      <p:sp>
+        <p:nvSpPr>
+          <p:cNvPr id="28" name="CuadroTexto 27">
+            <a:extLst>
+              <a:ext uri="{FF2B5EF4-FFF2-40B4-BE49-F238E27FC236}">
+                <a16:creationId xmlns:a16="http://schemas.microsoft.com/office/drawing/2014/main" id="{7CBAC394-82ED-4C18-9421-8FAEAA06E357}"/>
+              </a:ext>
+            </a:extLst>
+          </p:cNvPr>
+          <p:cNvSpPr txBox="1"/>
+          <p:nvPr/>
+        </p:nvSpPr>
+        <p:spPr>
+          <a:xfrm>
+            <a:off x="4284888" y="235368"/>
+            <a:ext cx="2356918" cy="369332"/>
+          </a:xfrm>
+          <a:prstGeom prst="rect">
+            <a:avLst/>
+          </a:prstGeom>
+          <a:noFill/>
+        </p:spPr>
+        <p:txBody>
+          <a:bodyPr wrap="square" rtlCol="0">
+            <a:spAutoFit/>
+          </a:bodyPr>
+          <a:lstStyle/>
+          <a:p>
+            <a:r>
+              <a:rPr lang="es-ES" b="1" dirty="0" err="1"/>
+              <a:t>Feature</a:t>
+            </a:r>
+            <a:r>
+              <a:rPr lang="es-ES" b="1" dirty="0"/>
+              <a:t> </a:t>
+            </a:r>
+            <a:r>
+              <a:rPr lang="es-ES" b="1" dirty="0" err="1"/>
+              <a:t>concatenation</a:t>
+            </a:r>
+            <a:endParaRPr lang="es-ES" b="1" dirty="0"/>
+          </a:p>
+        </p:txBody>
+      </p:sp>
+      <p:sp>
+        <p:nvSpPr>
+          <p:cNvPr id="29" name="Rectángulo 28">
+            <a:extLst>
+              <a:ext uri="{FF2B5EF4-FFF2-40B4-BE49-F238E27FC236}">
+                <a16:creationId xmlns:a16="http://schemas.microsoft.com/office/drawing/2014/main" id="{FD1633B2-E2B1-4BEF-BEA3-305530FAE979}"/>
+              </a:ext>
+            </a:extLst>
+          </p:cNvPr>
+          <p:cNvSpPr/>
+          <p:nvPr/>
+        </p:nvSpPr>
+        <p:spPr>
+          <a:xfrm>
+            <a:off x="4762317" y="984640"/>
+            <a:ext cx="1402060" cy="868236"/>
+          </a:xfrm>
+          <a:prstGeom prst="rect">
+            <a:avLst/>
+          </a:prstGeom>
+          <a:solidFill>
+            <a:schemeClr val="accent6">
+              <a:lumMod val="60000"/>
+              <a:lumOff val="40000"/>
+            </a:schemeClr>
+          </a:solidFill>
+          <a:ln w="12700">
+            <a:solidFill>
+              <a:schemeClr val="tx1"/>
+            </a:solidFill>
+          </a:ln>
+        </p:spPr>
+        <p:style>
+          <a:lnRef idx="2">
+            <a:schemeClr val="accent1">
+              <a:shade val="50000"/>
+            </a:schemeClr>
+          </a:lnRef>
+          <a:fillRef idx="1">
+            <a:schemeClr val="accent1"/>
+          </a:fillRef>
+          <a:effectRef idx="0">
+            <a:schemeClr val="accent1"/>
+          </a:effectRef>
+          <a:fontRef idx="minor">
+            <a:schemeClr val="lt1"/>
+          </a:fontRef>
+        </p:style>
+        <p:txBody>
+          <a:bodyPr rtlCol="0" anchor="ctr"/>
+          <a:lstStyle/>
+          <a:p>
+            <a:pPr algn="ctr"/>
+            <a:r>
+              <a:rPr lang="es-ES" sz="1100" b="1" dirty="0">
+                <a:solidFill>
+                  <a:schemeClr val="tx1"/>
+                </a:solidFill>
+              </a:rPr>
+              <a:t>Text </a:t>
+            </a:r>
+            <a:r>
+              <a:rPr lang="es-ES" sz="1100" b="1" dirty="0" err="1">
+                <a:solidFill>
+                  <a:schemeClr val="tx1"/>
+                </a:solidFill>
+              </a:rPr>
+              <a:t>Cleaning</a:t>
+            </a:r>
+            <a:r>
+              <a:rPr lang="es-ES" sz="1100" b="1" dirty="0">
+                <a:solidFill>
+                  <a:schemeClr val="tx1"/>
+                </a:solidFill>
+              </a:rPr>
+              <a:t> </a:t>
+            </a:r>
+          </a:p>
+          <a:p>
+            <a:pPr algn="ctr"/>
+            <a:r>
+              <a:rPr lang="es-ES" sz="900" b="1" dirty="0">
+                <a:solidFill>
+                  <a:schemeClr val="tx1"/>
+                </a:solidFill>
+              </a:rPr>
+              <a:t>+</a:t>
+            </a:r>
+          </a:p>
+          <a:p>
+            <a:pPr algn="ctr"/>
+            <a:r>
+              <a:rPr lang="es-ES" sz="1100" b="1" dirty="0" err="1">
+                <a:solidFill>
+                  <a:schemeClr val="tx1"/>
+                </a:solidFill>
+              </a:rPr>
+              <a:t>Numeric</a:t>
+            </a:r>
+            <a:r>
+              <a:rPr lang="es-ES" sz="1100" b="1" dirty="0">
+                <a:solidFill>
+                  <a:schemeClr val="tx1"/>
+                </a:solidFill>
+              </a:rPr>
+              <a:t> </a:t>
+            </a:r>
+            <a:r>
+              <a:rPr lang="es-ES" sz="1100" b="1" dirty="0" err="1">
+                <a:solidFill>
+                  <a:schemeClr val="tx1"/>
+                </a:solidFill>
+              </a:rPr>
+              <a:t>features</a:t>
+            </a:r>
+            <a:endParaRPr lang="es-ES" sz="1100" b="1" dirty="0">
+              <a:solidFill>
+                <a:schemeClr val="tx1"/>
+              </a:solidFill>
+            </a:endParaRPr>
+          </a:p>
+          <a:p>
+            <a:pPr algn="ctr"/>
+            <a:r>
+              <a:rPr lang="es-ES" sz="900" b="1" dirty="0">
+                <a:solidFill>
+                  <a:schemeClr val="tx1"/>
+                </a:solidFill>
+              </a:rPr>
+              <a:t>+</a:t>
+            </a:r>
+          </a:p>
+          <a:p>
+            <a:pPr algn="ctr"/>
+            <a:r>
+              <a:rPr lang="es-ES" sz="1100" b="1" dirty="0" err="1">
+                <a:solidFill>
+                  <a:schemeClr val="tx1"/>
+                </a:solidFill>
+              </a:rPr>
+              <a:t>Categorical</a:t>
+            </a:r>
+            <a:r>
+              <a:rPr lang="es-ES" sz="1100" b="1" dirty="0">
+                <a:solidFill>
+                  <a:schemeClr val="tx1"/>
+                </a:solidFill>
+              </a:rPr>
+              <a:t> </a:t>
+            </a:r>
+            <a:r>
+              <a:rPr lang="es-ES" sz="1100" b="1" dirty="0" err="1">
+                <a:solidFill>
+                  <a:schemeClr val="tx1"/>
+                </a:solidFill>
+              </a:rPr>
+              <a:t>features</a:t>
+            </a:r>
+            <a:endParaRPr lang="es-ES" sz="1400" b="1" dirty="0">
+              <a:solidFill>
+                <a:schemeClr val="tx1"/>
+              </a:solidFill>
+            </a:endParaRPr>
+          </a:p>
+        </p:txBody>
+      </p:sp>
+      <p:sp>
+        <p:nvSpPr>
+          <p:cNvPr id="30" name="Rectángulo 29">
+            <a:extLst>
+              <a:ext uri="{FF2B5EF4-FFF2-40B4-BE49-F238E27FC236}">
+                <a16:creationId xmlns:a16="http://schemas.microsoft.com/office/drawing/2014/main" id="{F1EA0219-768E-43CE-8B12-4D595D11CA55}"/>
+              </a:ext>
+            </a:extLst>
+          </p:cNvPr>
+          <p:cNvSpPr/>
+          <p:nvPr/>
+        </p:nvSpPr>
+        <p:spPr>
+          <a:xfrm>
+            <a:off x="4762317" y="2295007"/>
+            <a:ext cx="1402060" cy="868236"/>
+          </a:xfrm>
+          <a:prstGeom prst="rect">
+            <a:avLst/>
+          </a:prstGeom>
+          <a:solidFill>
+            <a:schemeClr val="accent6">
+              <a:lumMod val="60000"/>
+              <a:lumOff val="40000"/>
+            </a:schemeClr>
+          </a:solidFill>
+          <a:ln w="12700">
+            <a:solidFill>
+              <a:schemeClr val="tx1"/>
+            </a:solidFill>
+          </a:ln>
+        </p:spPr>
+        <p:style>
+          <a:lnRef idx="2">
+            <a:schemeClr val="accent1">
+              <a:shade val="50000"/>
+            </a:schemeClr>
+          </a:lnRef>
+          <a:fillRef idx="1">
+            <a:schemeClr val="accent1"/>
+          </a:fillRef>
+          <a:effectRef idx="0">
+            <a:schemeClr val="accent1"/>
+          </a:effectRef>
+          <a:fontRef idx="minor">
+            <a:schemeClr val="lt1"/>
+          </a:fontRef>
+        </p:style>
+        <p:txBody>
+          <a:bodyPr rtlCol="0" anchor="ctr"/>
+          <a:lstStyle/>
+          <a:p>
+            <a:pPr algn="ctr"/>
+            <a:r>
+              <a:rPr lang="es-ES" sz="1100" b="1" dirty="0">
+                <a:solidFill>
+                  <a:schemeClr val="tx1"/>
+                </a:solidFill>
+              </a:rPr>
+              <a:t>Word-</a:t>
+            </a:r>
+            <a:r>
+              <a:rPr lang="es-ES" sz="1100" b="1" dirty="0" err="1">
+                <a:solidFill>
+                  <a:schemeClr val="tx1"/>
+                </a:solidFill>
+              </a:rPr>
+              <a:t>embedding</a:t>
+            </a:r>
+            <a:endParaRPr lang="es-ES" sz="1100" b="1" dirty="0">
+              <a:solidFill>
+                <a:schemeClr val="tx1"/>
+              </a:solidFill>
+            </a:endParaRPr>
+          </a:p>
+          <a:p>
+            <a:pPr algn="ctr"/>
+            <a:r>
+              <a:rPr lang="es-ES" sz="900" b="1" dirty="0">
+                <a:solidFill>
+                  <a:schemeClr val="tx1"/>
+                </a:solidFill>
+              </a:rPr>
+              <a:t>+</a:t>
+            </a:r>
+          </a:p>
+          <a:p>
+            <a:pPr algn="ctr"/>
+            <a:r>
+              <a:rPr lang="es-ES" sz="1100" b="1" dirty="0" err="1">
+                <a:solidFill>
+                  <a:schemeClr val="tx1"/>
+                </a:solidFill>
+              </a:rPr>
+              <a:t>Numeric</a:t>
+            </a:r>
+            <a:r>
+              <a:rPr lang="es-ES" sz="1100" b="1" dirty="0">
+                <a:solidFill>
+                  <a:schemeClr val="tx1"/>
+                </a:solidFill>
+              </a:rPr>
+              <a:t> </a:t>
+            </a:r>
+            <a:r>
+              <a:rPr lang="es-ES" sz="1100" b="1" dirty="0" err="1">
+                <a:solidFill>
+                  <a:schemeClr val="tx1"/>
+                </a:solidFill>
+              </a:rPr>
+              <a:t>features</a:t>
+            </a:r>
+            <a:endParaRPr lang="es-ES" sz="1100" b="1" dirty="0">
+              <a:solidFill>
+                <a:schemeClr val="tx1"/>
+              </a:solidFill>
+            </a:endParaRPr>
+          </a:p>
+          <a:p>
+            <a:pPr algn="ctr"/>
+            <a:r>
+              <a:rPr lang="es-ES" sz="900" b="1" dirty="0">
+                <a:solidFill>
+                  <a:schemeClr val="tx1"/>
+                </a:solidFill>
+              </a:rPr>
+              <a:t>+</a:t>
+            </a:r>
+          </a:p>
+          <a:p>
+            <a:pPr algn="ctr"/>
+            <a:r>
+              <a:rPr lang="es-ES" sz="1100" b="1" dirty="0" err="1">
+                <a:solidFill>
+                  <a:schemeClr val="tx1"/>
+                </a:solidFill>
+              </a:rPr>
+              <a:t>Categorical</a:t>
+            </a:r>
+            <a:r>
+              <a:rPr lang="es-ES" sz="1100" b="1" dirty="0">
+                <a:solidFill>
+                  <a:schemeClr val="tx1"/>
+                </a:solidFill>
+              </a:rPr>
+              <a:t> </a:t>
+            </a:r>
+            <a:r>
+              <a:rPr lang="es-ES" sz="1100" b="1" dirty="0" err="1">
+                <a:solidFill>
+                  <a:schemeClr val="tx1"/>
+                </a:solidFill>
+              </a:rPr>
+              <a:t>features</a:t>
+            </a:r>
+            <a:endParaRPr lang="es-ES" sz="1400" b="1" dirty="0">
+              <a:solidFill>
+                <a:schemeClr val="tx1"/>
+              </a:solidFill>
+            </a:endParaRPr>
+          </a:p>
+        </p:txBody>
+      </p:sp>
+      <p:sp>
+        <p:nvSpPr>
+          <p:cNvPr id="31" name="Rectángulo 30">
+            <a:extLst>
+              <a:ext uri="{FF2B5EF4-FFF2-40B4-BE49-F238E27FC236}">
+                <a16:creationId xmlns:a16="http://schemas.microsoft.com/office/drawing/2014/main" id="{1CF8AE2F-77A6-41B6-B223-6A7F685AD9F2}"/>
+              </a:ext>
+            </a:extLst>
+          </p:cNvPr>
+          <p:cNvSpPr/>
+          <p:nvPr/>
+        </p:nvSpPr>
+        <p:spPr>
+          <a:xfrm>
+            <a:off x="4762317" y="3854833"/>
+            <a:ext cx="1402060" cy="868236"/>
+          </a:xfrm>
+          <a:prstGeom prst="rect">
+            <a:avLst/>
+          </a:prstGeom>
+          <a:solidFill>
+            <a:schemeClr val="accent6">
+              <a:lumMod val="60000"/>
+              <a:lumOff val="40000"/>
+            </a:schemeClr>
+          </a:solidFill>
+          <a:ln w="12700">
+            <a:solidFill>
+              <a:schemeClr val="tx1"/>
+            </a:solidFill>
+          </a:ln>
+        </p:spPr>
+        <p:style>
+          <a:lnRef idx="2">
+            <a:schemeClr val="accent1">
+              <a:shade val="50000"/>
+            </a:schemeClr>
+          </a:lnRef>
+          <a:fillRef idx="1">
+            <a:schemeClr val="accent1"/>
+          </a:fillRef>
+          <a:effectRef idx="0">
+            <a:schemeClr val="accent1"/>
+          </a:effectRef>
+          <a:fontRef idx="minor">
+            <a:schemeClr val="lt1"/>
+          </a:fontRef>
+        </p:style>
+        <p:txBody>
+          <a:bodyPr rtlCol="0" anchor="ctr"/>
+          <a:lstStyle/>
+          <a:p>
+            <a:pPr algn="ctr"/>
+            <a:r>
+              <a:rPr lang="es-ES" sz="1100" b="1" dirty="0">
+                <a:solidFill>
+                  <a:schemeClr val="tx1"/>
+                </a:solidFill>
+              </a:rPr>
+              <a:t>TF-IDF</a:t>
+            </a:r>
+          </a:p>
+          <a:p>
+            <a:pPr algn="ctr"/>
+            <a:r>
+              <a:rPr lang="es-ES" sz="900" b="1" dirty="0">
+                <a:solidFill>
+                  <a:schemeClr val="tx1"/>
+                </a:solidFill>
+              </a:rPr>
+              <a:t>+</a:t>
+            </a:r>
+          </a:p>
+          <a:p>
+            <a:pPr algn="ctr"/>
+            <a:r>
+              <a:rPr lang="es-ES" sz="1100" b="1" dirty="0" err="1">
+                <a:solidFill>
+                  <a:schemeClr val="tx1"/>
+                </a:solidFill>
+              </a:rPr>
+              <a:t>Numeric</a:t>
+            </a:r>
+            <a:r>
+              <a:rPr lang="es-ES" sz="1100" b="1" dirty="0">
+                <a:solidFill>
+                  <a:schemeClr val="tx1"/>
+                </a:solidFill>
+              </a:rPr>
+              <a:t> </a:t>
+            </a:r>
+            <a:r>
+              <a:rPr lang="es-ES" sz="1100" b="1" dirty="0" err="1">
+                <a:solidFill>
+                  <a:schemeClr val="tx1"/>
+                </a:solidFill>
+              </a:rPr>
+              <a:t>features</a:t>
+            </a:r>
+            <a:endParaRPr lang="es-ES" sz="1100" b="1" dirty="0">
+              <a:solidFill>
+                <a:schemeClr val="tx1"/>
+              </a:solidFill>
+            </a:endParaRPr>
+          </a:p>
+          <a:p>
+            <a:pPr algn="ctr"/>
+            <a:r>
+              <a:rPr lang="es-ES" sz="900" b="1" dirty="0">
+                <a:solidFill>
+                  <a:schemeClr val="tx1"/>
+                </a:solidFill>
+              </a:rPr>
+              <a:t>+</a:t>
+            </a:r>
+          </a:p>
+          <a:p>
+            <a:pPr algn="ctr"/>
+            <a:r>
+              <a:rPr lang="es-ES" sz="1100" b="1" dirty="0" err="1">
+                <a:solidFill>
+                  <a:schemeClr val="tx1"/>
+                </a:solidFill>
+              </a:rPr>
+              <a:t>Categorical</a:t>
+            </a:r>
+            <a:r>
+              <a:rPr lang="es-ES" sz="1100" b="1" dirty="0">
+                <a:solidFill>
+                  <a:schemeClr val="tx1"/>
+                </a:solidFill>
+              </a:rPr>
+              <a:t> </a:t>
+            </a:r>
+            <a:r>
+              <a:rPr lang="es-ES" sz="1100" b="1" dirty="0" err="1">
+                <a:solidFill>
+                  <a:schemeClr val="tx1"/>
+                </a:solidFill>
+              </a:rPr>
+              <a:t>features</a:t>
+            </a:r>
+            <a:endParaRPr lang="es-ES" sz="1400" b="1" dirty="0">
+              <a:solidFill>
+                <a:schemeClr val="tx1"/>
+              </a:solidFill>
+            </a:endParaRPr>
+          </a:p>
+        </p:txBody>
+      </p:sp>
+      <p:sp>
+        <p:nvSpPr>
+          <p:cNvPr id="34" name="CuadroTexto 33">
+            <a:extLst>
+              <a:ext uri="{FF2B5EF4-FFF2-40B4-BE49-F238E27FC236}">
+                <a16:creationId xmlns:a16="http://schemas.microsoft.com/office/drawing/2014/main" id="{5C881B96-D0F2-4AF7-9F7F-4A22ED08BD4B}"/>
+              </a:ext>
+            </a:extLst>
+          </p:cNvPr>
+          <p:cNvSpPr txBox="1"/>
+          <p:nvPr/>
+        </p:nvSpPr>
+        <p:spPr>
+          <a:xfrm>
+            <a:off x="7706340" y="231366"/>
+            <a:ext cx="2356918" cy="369332"/>
+          </a:xfrm>
+          <a:prstGeom prst="rect">
+            <a:avLst/>
+          </a:prstGeom>
+          <a:noFill/>
+        </p:spPr>
+        <p:txBody>
+          <a:bodyPr wrap="square" rtlCol="0">
+            <a:spAutoFit/>
+          </a:bodyPr>
+          <a:lstStyle/>
+          <a:p>
+            <a:r>
+              <a:rPr lang="es-ES" b="1" dirty="0" err="1"/>
+              <a:t>Classification</a:t>
+            </a:r>
+            <a:endParaRPr lang="es-ES" b="1" dirty="0"/>
+          </a:p>
+        </p:txBody>
+      </p:sp>
+      <p:sp>
+        <p:nvSpPr>
+          <p:cNvPr id="36" name="Rectángulo 35">
+            <a:extLst>
+              <a:ext uri="{FF2B5EF4-FFF2-40B4-BE49-F238E27FC236}">
+                <a16:creationId xmlns:a16="http://schemas.microsoft.com/office/drawing/2014/main" id="{74FD7D20-35F5-4066-A2B6-3B9AE9ED69FD}"/>
+              </a:ext>
+            </a:extLst>
+          </p:cNvPr>
+          <p:cNvSpPr/>
+          <p:nvPr/>
+        </p:nvSpPr>
+        <p:spPr>
+          <a:xfrm>
+            <a:off x="7568826" y="1169738"/>
+            <a:ext cx="1680632" cy="434118"/>
+          </a:xfrm>
+          <a:prstGeom prst="rect">
+            <a:avLst/>
+          </a:prstGeom>
+          <a:solidFill>
+            <a:schemeClr val="accent6">
+              <a:lumMod val="60000"/>
+              <a:lumOff val="40000"/>
+            </a:schemeClr>
+          </a:solidFill>
+          <a:ln w="12700">
+            <a:solidFill>
+              <a:schemeClr val="tx1"/>
+            </a:solidFill>
+          </a:ln>
+        </p:spPr>
+        <p:style>
+          <a:lnRef idx="2">
+            <a:schemeClr val="accent1">
+              <a:shade val="50000"/>
+            </a:schemeClr>
+          </a:lnRef>
+          <a:fillRef idx="1">
+            <a:schemeClr val="accent1"/>
+          </a:fillRef>
+          <a:effectRef idx="0">
+            <a:schemeClr val="accent1"/>
+          </a:effectRef>
+          <a:fontRef idx="minor">
+            <a:schemeClr val="lt1"/>
+          </a:fontRef>
+        </p:style>
+        <p:txBody>
+          <a:bodyPr rtlCol="0" anchor="ctr"/>
+          <a:lstStyle/>
+          <a:p>
+            <a:pPr algn="ctr"/>
+            <a:r>
+              <a:rPr lang="es-ES" sz="1600" b="1" dirty="0" err="1">
+                <a:solidFill>
+                  <a:schemeClr val="tx1"/>
+                </a:solidFill>
+                <a:cs typeface="Courier New" panose="02070309020205020404" pitchFamily="49" charset="0"/>
+              </a:rPr>
+              <a:t>Multilingual</a:t>
+            </a:r>
+            <a:r>
+              <a:rPr lang="es-ES" sz="1600" b="1" dirty="0">
+                <a:solidFill>
+                  <a:schemeClr val="tx1"/>
+                </a:solidFill>
+                <a:cs typeface="Courier New" panose="02070309020205020404" pitchFamily="49" charset="0"/>
+              </a:rPr>
+              <a:t> BERT</a:t>
+            </a:r>
+          </a:p>
+        </p:txBody>
+      </p:sp>
+      <p:sp>
+        <p:nvSpPr>
+          <p:cNvPr id="38" name="Rectángulo 37">
+            <a:extLst>
+              <a:ext uri="{FF2B5EF4-FFF2-40B4-BE49-F238E27FC236}">
+                <a16:creationId xmlns:a16="http://schemas.microsoft.com/office/drawing/2014/main" id="{45D36597-34EE-4FD6-85E3-355DC1139F7C}"/>
+              </a:ext>
+            </a:extLst>
+          </p:cNvPr>
+          <p:cNvSpPr/>
+          <p:nvPr/>
+        </p:nvSpPr>
+        <p:spPr>
+          <a:xfrm>
+            <a:off x="7568826" y="2514898"/>
+            <a:ext cx="1680632" cy="434118"/>
+          </a:xfrm>
+          <a:prstGeom prst="rect">
+            <a:avLst/>
+          </a:prstGeom>
+          <a:solidFill>
+            <a:schemeClr val="accent6">
+              <a:lumMod val="60000"/>
+              <a:lumOff val="40000"/>
+            </a:schemeClr>
+          </a:solidFill>
+          <a:ln w="12700">
+            <a:solidFill>
+              <a:schemeClr val="tx1"/>
+            </a:solidFill>
+          </a:ln>
+        </p:spPr>
+        <p:style>
+          <a:lnRef idx="2">
+            <a:schemeClr val="accent1">
+              <a:shade val="50000"/>
+            </a:schemeClr>
+          </a:lnRef>
+          <a:fillRef idx="1">
+            <a:schemeClr val="accent1"/>
+          </a:fillRef>
+          <a:effectRef idx="0">
+            <a:schemeClr val="accent1"/>
+          </a:effectRef>
+          <a:fontRef idx="minor">
+            <a:schemeClr val="lt1"/>
+          </a:fontRef>
+        </p:style>
+        <p:txBody>
+          <a:bodyPr rtlCol="0" anchor="ctr"/>
+          <a:lstStyle/>
+          <a:p>
+            <a:pPr algn="ctr"/>
+            <a:r>
+              <a:rPr lang="es-ES" sz="1600" b="1" dirty="0">
+                <a:solidFill>
+                  <a:schemeClr val="tx1"/>
+                </a:solidFill>
+                <a:cs typeface="Courier New" panose="02070309020205020404" pitchFamily="49" charset="0"/>
+              </a:rPr>
+              <a:t>Bi-LSTM</a:t>
+            </a:r>
+          </a:p>
+        </p:txBody>
+      </p:sp>
+      <p:sp>
+        <p:nvSpPr>
+          <p:cNvPr id="39" name="Rectángulo 38">
+            <a:extLst>
+              <a:ext uri="{FF2B5EF4-FFF2-40B4-BE49-F238E27FC236}">
+                <a16:creationId xmlns:a16="http://schemas.microsoft.com/office/drawing/2014/main" id="{0E3693DF-F147-42D4-A7A5-2ED1B3891B30}"/>
+              </a:ext>
+            </a:extLst>
+          </p:cNvPr>
+          <p:cNvSpPr/>
+          <p:nvPr/>
+        </p:nvSpPr>
+        <p:spPr>
+          <a:xfrm>
+            <a:off x="7910236" y="3866425"/>
+            <a:ext cx="997812" cy="936415"/>
+          </a:xfrm>
+          <a:prstGeom prst="rect">
+            <a:avLst/>
+          </a:prstGeom>
+          <a:solidFill>
+            <a:schemeClr val="accent6">
+              <a:lumMod val="60000"/>
+              <a:lumOff val="40000"/>
+            </a:schemeClr>
+          </a:solidFill>
+          <a:ln w="12700">
+            <a:solidFill>
+              <a:schemeClr val="tx1"/>
+            </a:solidFill>
+          </a:ln>
+        </p:spPr>
+        <p:style>
+          <a:lnRef idx="2">
+            <a:schemeClr val="accent1">
+              <a:shade val="50000"/>
+            </a:schemeClr>
+          </a:lnRef>
+          <a:fillRef idx="1">
+            <a:schemeClr val="accent1"/>
+          </a:fillRef>
+          <a:effectRef idx="0">
+            <a:schemeClr val="accent1"/>
+          </a:effectRef>
+          <a:fontRef idx="minor">
+            <a:schemeClr val="lt1"/>
+          </a:fontRef>
+        </p:style>
+        <p:txBody>
+          <a:bodyPr rtlCol="0" anchor="ctr"/>
+          <a:lstStyle/>
+          <a:p>
+            <a:pPr algn="ctr"/>
+            <a:r>
+              <a:rPr lang="es-ES" sz="1600" b="1" dirty="0">
+                <a:solidFill>
+                  <a:schemeClr val="tx1"/>
+                </a:solidFill>
+                <a:cs typeface="Courier New" panose="02070309020205020404" pitchFamily="49" charset="0"/>
+              </a:rPr>
+              <a:t>LR</a:t>
+            </a:r>
+          </a:p>
+          <a:p>
+            <a:pPr algn="ctr"/>
+            <a:r>
+              <a:rPr lang="es-ES" sz="1600" b="1" dirty="0">
+                <a:solidFill>
+                  <a:schemeClr val="tx1"/>
+                </a:solidFill>
+                <a:cs typeface="Courier New" panose="02070309020205020404" pitchFamily="49" charset="0"/>
+              </a:rPr>
+              <a:t>RF</a:t>
+            </a:r>
+          </a:p>
+          <a:p>
+            <a:pPr algn="ctr"/>
+            <a:r>
+              <a:rPr lang="es-ES" sz="1600" b="1" dirty="0">
+                <a:solidFill>
+                  <a:schemeClr val="tx1"/>
+                </a:solidFill>
+                <a:cs typeface="Courier New" panose="02070309020205020404" pitchFamily="49" charset="0"/>
+              </a:rPr>
+              <a:t>SV</a:t>
+            </a:r>
+          </a:p>
+        </p:txBody>
+      </p:sp>
+      <p:sp>
+        <p:nvSpPr>
+          <p:cNvPr id="42" name="Elipse 41">
+            <a:extLst>
+              <a:ext uri="{FF2B5EF4-FFF2-40B4-BE49-F238E27FC236}">
+                <a16:creationId xmlns:a16="http://schemas.microsoft.com/office/drawing/2014/main" id="{57E9B917-8EBD-4DD9-A498-AAA8EA613FB9}"/>
+              </a:ext>
+            </a:extLst>
+          </p:cNvPr>
+          <p:cNvSpPr/>
+          <p:nvPr/>
+        </p:nvSpPr>
+        <p:spPr>
+          <a:xfrm>
+            <a:off x="10230991" y="2383679"/>
+            <a:ext cx="1723321" cy="1130674"/>
+          </a:xfrm>
+          <a:prstGeom prst="ellipse">
+            <a:avLst/>
+          </a:prstGeom>
+          <a:solidFill>
+            <a:schemeClr val="accent6">
+              <a:lumMod val="60000"/>
+              <a:lumOff val="40000"/>
+            </a:schemeClr>
+          </a:solidFill>
+          <a:ln w="12700">
+            <a:solidFill>
+              <a:schemeClr val="tx1"/>
+            </a:solidFill>
+          </a:ln>
+        </p:spPr>
+        <p:style>
+          <a:lnRef idx="2">
+            <a:schemeClr val="accent1">
+              <a:shade val="50000"/>
+            </a:schemeClr>
+          </a:lnRef>
+          <a:fillRef idx="1">
+            <a:schemeClr val="accent1"/>
+          </a:fillRef>
+          <a:effectRef idx="0">
+            <a:schemeClr val="accent1"/>
+          </a:effectRef>
+          <a:fontRef idx="minor">
+            <a:schemeClr val="lt1"/>
+          </a:fontRef>
+        </p:style>
+        <p:txBody>
+          <a:bodyPr rtlCol="0" anchor="ctr"/>
+          <a:lstStyle/>
+          <a:p>
+            <a:pPr algn="ctr"/>
+            <a:r>
+              <a:rPr lang="es-ES" sz="1600" b="1" dirty="0">
+                <a:solidFill>
+                  <a:schemeClr val="tx1"/>
+                </a:solidFill>
+                <a:cs typeface="Courier New" panose="02070309020205020404" pitchFamily="49" charset="0"/>
+              </a:rPr>
+              <a:t>Output:</a:t>
+            </a:r>
+          </a:p>
+          <a:p>
+            <a:pPr marL="171450" lvl="0" indent="-171450">
+              <a:buFont typeface="Wingdings" panose="05000000000000000000" pitchFamily="2" charset="2"/>
+              <a:buChar char="§"/>
+            </a:pPr>
+            <a:r>
+              <a:rPr lang="es-ES" sz="1000" b="1" dirty="0">
+                <a:solidFill>
+                  <a:prstClr val="black"/>
+                </a:solidFill>
+              </a:rPr>
+              <a:t>MACHISMO</a:t>
+            </a:r>
+          </a:p>
+          <a:p>
+            <a:pPr marL="171450" lvl="0" indent="-171450">
+              <a:buFont typeface="Wingdings" panose="05000000000000000000" pitchFamily="2" charset="2"/>
+              <a:buChar char="§"/>
+            </a:pPr>
+            <a:r>
+              <a:rPr lang="es-ES" sz="1000" b="1" dirty="0">
+                <a:solidFill>
+                  <a:prstClr val="black"/>
+                </a:solidFill>
+              </a:rPr>
+              <a:t>NO_MACHISMO</a:t>
+            </a:r>
+          </a:p>
+          <a:p>
+            <a:pPr marL="171450" lvl="0" indent="-171450">
+              <a:buFont typeface="Wingdings" panose="05000000000000000000" pitchFamily="2" charset="2"/>
+              <a:buChar char="§"/>
+            </a:pPr>
+            <a:r>
+              <a:rPr lang="es-ES" sz="1000" b="1" dirty="0">
+                <a:solidFill>
+                  <a:prstClr val="black"/>
+                </a:solidFill>
+              </a:rPr>
+              <a:t>DUDOSO</a:t>
+            </a:r>
+          </a:p>
+          <a:p>
+            <a:pPr algn="ctr"/>
+            <a:endParaRPr lang="es-ES" sz="1600" b="1" dirty="0">
+              <a:solidFill>
+                <a:schemeClr val="tx1"/>
+              </a:solidFill>
+              <a:cs typeface="Courier New" panose="02070309020205020404" pitchFamily="49" charset="0"/>
+            </a:endParaRPr>
+          </a:p>
+        </p:txBody>
+      </p:sp>
+      <p:cxnSp>
+        <p:nvCxnSpPr>
+          <p:cNvPr id="53" name="Conector recto de flecha 52">
+            <a:extLst>
+              <a:ext uri="{FF2B5EF4-FFF2-40B4-BE49-F238E27FC236}">
+                <a16:creationId xmlns:a16="http://schemas.microsoft.com/office/drawing/2014/main" id="{E4294976-1B2C-4006-A022-0B76153170FD}"/>
+              </a:ext>
+            </a:extLst>
+          </p:cNvPr>
+          <p:cNvCxnSpPr>
+            <a:cxnSpLocks/>
+          </p:cNvCxnSpPr>
+          <p:nvPr/>
+        </p:nvCxnSpPr>
+        <p:spPr>
+          <a:xfrm>
+            <a:off x="9716119" y="2942641"/>
+            <a:ext cx="489705" cy="6375"/>
+          </a:xfrm>
+          <a:prstGeom prst="straightConnector1">
+            <a:avLst/>
+          </a:prstGeom>
+          <a:ln w="57150">
+            <a:solidFill>
+              <a:schemeClr val="tx1">
+                <a:lumMod val="90000"/>
+                <a:lumOff val="10000"/>
+              </a:schemeClr>
+            </a:solidFill>
+            <a:tailEnd type="triangle"/>
+          </a:ln>
+        </p:spPr>
+        <p:style>
+          <a:lnRef idx="1">
+            <a:schemeClr val="accent1"/>
+          </a:lnRef>
+          <a:fillRef idx="0">
+            <a:schemeClr val="accent1"/>
+          </a:fillRef>
+          <a:effectRef idx="0">
+            <a:schemeClr val="accent1"/>
+          </a:effectRef>
+          <a:fontRef idx="minor">
+            <a:schemeClr val="tx1"/>
+          </a:fontRef>
+        </p:style>
+      </p:cxnSp>
+      <p:cxnSp>
+        <p:nvCxnSpPr>
+          <p:cNvPr id="57" name="Conector recto de flecha 56">
+            <a:extLst>
+              <a:ext uri="{FF2B5EF4-FFF2-40B4-BE49-F238E27FC236}">
+                <a16:creationId xmlns:a16="http://schemas.microsoft.com/office/drawing/2014/main" id="{5A49FE0B-55EB-4789-9EF1-95714238D5D8}"/>
+              </a:ext>
+            </a:extLst>
+          </p:cNvPr>
+          <p:cNvCxnSpPr>
+            <a:cxnSpLocks/>
+          </p:cNvCxnSpPr>
+          <p:nvPr/>
+        </p:nvCxnSpPr>
+        <p:spPr>
+          <a:xfrm>
+            <a:off x="6164377" y="4256913"/>
+            <a:ext cx="1745859" cy="0"/>
+          </a:xfrm>
+          <a:prstGeom prst="straightConnector1">
+            <a:avLst/>
+          </a:prstGeom>
+          <a:ln w="19050">
+            <a:solidFill>
+              <a:schemeClr val="tx1">
+                <a:lumMod val="90000"/>
+                <a:lumOff val="10000"/>
+              </a:schemeClr>
+            </a:solidFill>
+            <a:prstDash val="dash"/>
+            <a:tailEnd type="triangle"/>
+          </a:ln>
+        </p:spPr>
+        <p:style>
+          <a:lnRef idx="1">
+            <a:schemeClr val="accent1"/>
+          </a:lnRef>
+          <a:fillRef idx="0">
+            <a:schemeClr val="accent1"/>
+          </a:fillRef>
+          <a:effectRef idx="0">
+            <a:schemeClr val="accent1"/>
+          </a:effectRef>
+          <a:fontRef idx="minor">
+            <a:schemeClr val="tx1"/>
+          </a:fontRef>
+        </p:style>
+      </p:cxnSp>
+      <p:cxnSp>
+        <p:nvCxnSpPr>
+          <p:cNvPr id="59" name="Conector recto de flecha 58">
+            <a:extLst>
+              <a:ext uri="{FF2B5EF4-FFF2-40B4-BE49-F238E27FC236}">
+                <a16:creationId xmlns:a16="http://schemas.microsoft.com/office/drawing/2014/main" id="{1D6240B4-895B-4576-98D2-F7582B172361}"/>
+              </a:ext>
+            </a:extLst>
+          </p:cNvPr>
+          <p:cNvCxnSpPr>
+            <a:cxnSpLocks/>
+          </p:cNvCxnSpPr>
+          <p:nvPr/>
+        </p:nvCxnSpPr>
+        <p:spPr>
+          <a:xfrm>
+            <a:off x="6164377" y="2672792"/>
+            <a:ext cx="1404449" cy="0"/>
+          </a:xfrm>
+          <a:prstGeom prst="straightConnector1">
+            <a:avLst/>
+          </a:prstGeom>
+          <a:ln w="19050">
+            <a:solidFill>
+              <a:schemeClr val="tx1">
+                <a:lumMod val="90000"/>
+                <a:lumOff val="10000"/>
+              </a:schemeClr>
+            </a:solidFill>
+            <a:prstDash val="dash"/>
+            <a:tailEnd type="triangle"/>
+          </a:ln>
+        </p:spPr>
+        <p:style>
+          <a:lnRef idx="1">
+            <a:schemeClr val="accent1"/>
+          </a:lnRef>
+          <a:fillRef idx="0">
+            <a:schemeClr val="accent1"/>
+          </a:fillRef>
+          <a:effectRef idx="0">
+            <a:schemeClr val="accent1"/>
+          </a:effectRef>
+          <a:fontRef idx="minor">
+            <a:schemeClr val="tx1"/>
+          </a:fontRef>
+        </p:style>
+      </p:cxnSp>
+      <p:cxnSp>
+        <p:nvCxnSpPr>
+          <p:cNvPr id="61" name="Conector recto de flecha 60">
+            <a:extLst>
+              <a:ext uri="{FF2B5EF4-FFF2-40B4-BE49-F238E27FC236}">
+                <a16:creationId xmlns:a16="http://schemas.microsoft.com/office/drawing/2014/main" id="{49D4D744-8EEB-4BAD-805B-5A9E87AA44B5}"/>
+              </a:ext>
+            </a:extLst>
+          </p:cNvPr>
+          <p:cNvCxnSpPr>
+            <a:cxnSpLocks/>
+          </p:cNvCxnSpPr>
+          <p:nvPr/>
+        </p:nvCxnSpPr>
+        <p:spPr>
+          <a:xfrm>
+            <a:off x="6164377" y="1357520"/>
+            <a:ext cx="1404449" cy="0"/>
+          </a:xfrm>
+          <a:prstGeom prst="straightConnector1">
+            <a:avLst/>
+          </a:prstGeom>
+          <a:ln w="19050">
+            <a:solidFill>
+              <a:schemeClr val="tx1">
+                <a:lumMod val="90000"/>
+                <a:lumOff val="10000"/>
+              </a:schemeClr>
+            </a:solidFill>
+            <a:prstDash val="dash"/>
+            <a:tailEnd type="triangle"/>
+          </a:ln>
+        </p:spPr>
+        <p:style>
+          <a:lnRef idx="1">
+            <a:schemeClr val="accent1"/>
+          </a:lnRef>
+          <a:fillRef idx="0">
+            <a:schemeClr val="accent1"/>
+          </a:fillRef>
+          <a:effectRef idx="0">
+            <a:schemeClr val="accent1"/>
+          </a:effectRef>
+          <a:fontRef idx="minor">
+            <a:schemeClr val="tx1"/>
+          </a:fontRef>
+        </p:style>
+      </p:cxnSp>
+    </p:spTree>
+    <p:extLst>
+      <p:ext uri="{BB962C8B-B14F-4D97-AF65-F5344CB8AC3E}">
+        <p14:creationId xmlns:p14="http://schemas.microsoft.com/office/powerpoint/2010/main" val="2496652551"/>
+      </p:ext>
+    </p:extLst>
+  </p:cSld>
+  <p:clrMapOvr>
+    <a:masterClrMapping/>
+  </p:clrMapOvr>
+</p:sld>
+</file>
+
+<file path=ppt/slides/slide4.xml><?xml version="1.0" encoding="utf-8"?>
+<p:sld xmlns:a="http://schemas.openxmlformats.org/drawingml/2006/main" xmlns:r="http://schemas.openxmlformats.org/officeDocument/2006/relationships" xmlns:p="http://schemas.openxmlformats.org/presentationml/2006/main">
+  <p:cSld>
+    <p:spTree>
+      <p:nvGrpSpPr>
+        <p:cNvPr id="1" name=""/>
+        <p:cNvGrpSpPr/>
+        <p:nvPr/>
+      </p:nvGrpSpPr>
+      <p:grpSpPr>
+        <a:xfrm>
+          <a:off x="0" y="0"/>
+          <a:ext cx="0" cy="0"/>
+          <a:chOff x="0" y="0"/>
+          <a:chExt cx="0" cy="0"/>
+        </a:xfrm>
+      </p:grpSpPr>
+      <p:sp>
+        <p:nvSpPr>
+          <p:cNvPr id="42" name="Elipse 41">
+            <a:extLst>
+              <a:ext uri="{FF2B5EF4-FFF2-40B4-BE49-F238E27FC236}">
+                <a16:creationId xmlns:a16="http://schemas.microsoft.com/office/drawing/2014/main" id="{57E9B917-8EBD-4DD9-A498-AAA8EA613FB9}"/>
+              </a:ext>
+            </a:extLst>
+          </p:cNvPr>
+          <p:cNvSpPr/>
+          <p:nvPr/>
+        </p:nvSpPr>
+        <p:spPr>
+          <a:xfrm>
+            <a:off x="10008969" y="2675896"/>
+            <a:ext cx="1723321" cy="1130674"/>
+          </a:xfrm>
+          <a:prstGeom prst="ellipse">
+            <a:avLst/>
+          </a:prstGeom>
+          <a:solidFill>
+            <a:schemeClr val="accent6">
+              <a:lumMod val="60000"/>
+              <a:lumOff val="40000"/>
+            </a:schemeClr>
+          </a:solidFill>
+          <a:ln w="12700">
+            <a:solidFill>
+              <a:schemeClr val="tx1"/>
+            </a:solidFill>
+          </a:ln>
+        </p:spPr>
+        <p:style>
+          <a:lnRef idx="2">
+            <a:schemeClr val="accent1">
+              <a:shade val="50000"/>
+            </a:schemeClr>
+          </a:lnRef>
+          <a:fillRef idx="1">
+            <a:schemeClr val="accent1"/>
+          </a:fillRef>
+          <a:effectRef idx="0">
+            <a:schemeClr val="accent1"/>
+          </a:effectRef>
+          <a:fontRef idx="minor">
+            <a:schemeClr val="lt1"/>
+          </a:fontRef>
+        </p:style>
+        <p:txBody>
+          <a:bodyPr rtlCol="0" anchor="ctr"/>
+          <a:lstStyle/>
+          <a:p>
+            <a:pPr algn="ctr"/>
+            <a:r>
+              <a:rPr lang="es-ES" sz="1600" b="1" dirty="0">
+                <a:solidFill>
+                  <a:schemeClr val="tx1"/>
+                </a:solidFill>
+                <a:cs typeface="Courier New" panose="02070309020205020404" pitchFamily="49" charset="0"/>
+              </a:rPr>
+              <a:t>Output:</a:t>
+            </a:r>
+          </a:p>
+          <a:p>
+            <a:pPr marL="171450" lvl="0" indent="-171450">
+              <a:buFont typeface="Wingdings" panose="05000000000000000000" pitchFamily="2" charset="2"/>
+              <a:buChar char="§"/>
+            </a:pPr>
+            <a:r>
+              <a:rPr lang="es-ES" sz="1000" b="1" dirty="0">
+                <a:solidFill>
+                  <a:prstClr val="black"/>
+                </a:solidFill>
+              </a:rPr>
+              <a:t>MACHISMO</a:t>
+            </a:r>
+          </a:p>
+          <a:p>
+            <a:pPr marL="171450" lvl="0" indent="-171450">
+              <a:buFont typeface="Wingdings" panose="05000000000000000000" pitchFamily="2" charset="2"/>
+              <a:buChar char="§"/>
+            </a:pPr>
+            <a:r>
+              <a:rPr lang="es-ES" sz="1000" b="1" dirty="0">
+                <a:solidFill>
+                  <a:prstClr val="black"/>
+                </a:solidFill>
+              </a:rPr>
+              <a:t>NO_MACHISMO</a:t>
+            </a:r>
+          </a:p>
+          <a:p>
+            <a:pPr marL="171450" lvl="0" indent="-171450">
+              <a:buFont typeface="Wingdings" panose="05000000000000000000" pitchFamily="2" charset="2"/>
+              <a:buChar char="§"/>
+            </a:pPr>
+            <a:r>
+              <a:rPr lang="es-ES" sz="1000" b="1" dirty="0">
+                <a:solidFill>
+                  <a:prstClr val="black"/>
+                </a:solidFill>
+              </a:rPr>
+              <a:t>DUDOSO</a:t>
+            </a:r>
+          </a:p>
+          <a:p>
+            <a:pPr algn="ctr"/>
+            <a:endParaRPr lang="es-ES" sz="1600" b="1" dirty="0">
+              <a:solidFill>
+                <a:schemeClr val="tx1"/>
+              </a:solidFill>
+              <a:cs typeface="Courier New" panose="02070309020205020404" pitchFamily="49" charset="0"/>
+            </a:endParaRPr>
+          </a:p>
+        </p:txBody>
+      </p:sp>
+      <p:sp>
+        <p:nvSpPr>
+          <p:cNvPr id="33" name="Rectángulo 32">
+            <a:extLst>
+              <a:ext uri="{FF2B5EF4-FFF2-40B4-BE49-F238E27FC236}">
+                <a16:creationId xmlns:a16="http://schemas.microsoft.com/office/drawing/2014/main" id="{D82ED532-149D-42ED-9634-304298D18264}"/>
+              </a:ext>
+            </a:extLst>
+          </p:cNvPr>
+          <p:cNvSpPr/>
+          <p:nvPr/>
+        </p:nvSpPr>
+        <p:spPr>
+          <a:xfrm rot="16200000">
+            <a:off x="-210624" y="2945645"/>
+            <a:ext cx="2900683" cy="591176"/>
+          </a:xfrm>
+          <a:prstGeom prst="rect">
+            <a:avLst/>
+          </a:prstGeom>
+          <a:solidFill>
+            <a:schemeClr val="accent6">
+              <a:lumMod val="60000"/>
+              <a:lumOff val="40000"/>
+            </a:schemeClr>
+          </a:solidFill>
+          <a:ln w="12700">
+            <a:solidFill>
+              <a:schemeClr val="tx1"/>
+            </a:solidFill>
+          </a:ln>
+        </p:spPr>
+        <p:style>
+          <a:lnRef idx="2">
+            <a:schemeClr val="accent1">
+              <a:shade val="50000"/>
+            </a:schemeClr>
+          </a:lnRef>
+          <a:fillRef idx="1">
+            <a:schemeClr val="accent1"/>
+          </a:fillRef>
+          <a:effectRef idx="0">
+            <a:schemeClr val="accent1"/>
+          </a:effectRef>
+          <a:fontRef idx="minor">
+            <a:schemeClr val="lt1"/>
+          </a:fontRef>
+        </p:style>
+        <p:txBody>
+          <a:bodyPr rtlCol="0" anchor="ctr"/>
+          <a:lstStyle/>
+          <a:p>
+            <a:pPr algn="ctr"/>
+            <a:r>
+              <a:rPr lang="es-ES" sz="1600" b="1" dirty="0">
+                <a:solidFill>
+                  <a:schemeClr val="tx1"/>
+                </a:solidFill>
+                <a:cs typeface="Courier New" panose="02070309020205020404" pitchFamily="49" charset="0"/>
+              </a:rPr>
+              <a:t>Text </a:t>
+            </a:r>
+            <a:r>
+              <a:rPr lang="es-ES" sz="1600" b="1" dirty="0" err="1">
+                <a:solidFill>
+                  <a:schemeClr val="tx1"/>
+                </a:solidFill>
+                <a:cs typeface="Courier New" panose="02070309020205020404" pitchFamily="49" charset="0"/>
+              </a:rPr>
+              <a:t>Embedding</a:t>
+            </a:r>
+            <a:r>
+              <a:rPr lang="es-ES" sz="1600" b="1" dirty="0">
+                <a:solidFill>
+                  <a:schemeClr val="tx1"/>
+                </a:solidFill>
+                <a:cs typeface="Courier New" panose="02070309020205020404" pitchFamily="49" charset="0"/>
+              </a:rPr>
+              <a:t> Input</a:t>
+            </a:r>
+          </a:p>
+        </p:txBody>
+      </p:sp>
+      <p:cxnSp>
+        <p:nvCxnSpPr>
+          <p:cNvPr id="37" name="Conector recto de flecha 36">
+            <a:extLst>
+              <a:ext uri="{FF2B5EF4-FFF2-40B4-BE49-F238E27FC236}">
+                <a16:creationId xmlns:a16="http://schemas.microsoft.com/office/drawing/2014/main" id="{B4488A4C-CF41-4D82-9846-3FAF560CF3DB}"/>
+              </a:ext>
+            </a:extLst>
+          </p:cNvPr>
+          <p:cNvCxnSpPr>
+            <a:cxnSpLocks/>
+            <a:stCxn id="33" idx="2"/>
+            <a:endCxn id="40" idx="0"/>
+          </p:cNvCxnSpPr>
+          <p:nvPr/>
+        </p:nvCxnSpPr>
+        <p:spPr>
+          <a:xfrm>
+            <a:off x="1535306" y="3241233"/>
+            <a:ext cx="432188" cy="1"/>
+          </a:xfrm>
+          <a:prstGeom prst="straightConnector1">
+            <a:avLst/>
+          </a:prstGeom>
+          <a:ln w="38100">
+            <a:solidFill>
+              <a:schemeClr val="tx1">
+                <a:lumMod val="90000"/>
+                <a:lumOff val="10000"/>
+              </a:schemeClr>
+            </a:solidFill>
+            <a:tailEnd type="triangle"/>
+          </a:ln>
+        </p:spPr>
+        <p:style>
+          <a:lnRef idx="1">
+            <a:schemeClr val="accent1"/>
+          </a:lnRef>
+          <a:fillRef idx="0">
+            <a:schemeClr val="accent1"/>
+          </a:fillRef>
+          <a:effectRef idx="0">
+            <a:schemeClr val="accent1"/>
+          </a:effectRef>
+          <a:fontRef idx="minor">
+            <a:schemeClr val="tx1"/>
+          </a:fontRef>
+        </p:style>
+      </p:cxnSp>
+      <p:sp>
+        <p:nvSpPr>
+          <p:cNvPr id="40" name="Rectángulo 39">
+            <a:extLst>
+              <a:ext uri="{FF2B5EF4-FFF2-40B4-BE49-F238E27FC236}">
+                <a16:creationId xmlns:a16="http://schemas.microsoft.com/office/drawing/2014/main" id="{C2ED8845-C899-4F8C-BC09-BDB6E0A6B121}"/>
+              </a:ext>
+            </a:extLst>
+          </p:cNvPr>
+          <p:cNvSpPr/>
+          <p:nvPr/>
+        </p:nvSpPr>
+        <p:spPr>
+          <a:xfrm rot="16200000">
+            <a:off x="1405527" y="2945646"/>
+            <a:ext cx="1715110" cy="591176"/>
+          </a:xfrm>
+          <a:prstGeom prst="rect">
+            <a:avLst/>
+          </a:prstGeom>
+          <a:solidFill>
+            <a:schemeClr val="accent6">
+              <a:lumMod val="60000"/>
+              <a:lumOff val="40000"/>
+            </a:schemeClr>
+          </a:solidFill>
+          <a:ln w="12700">
+            <a:solidFill>
+              <a:schemeClr val="tx1"/>
+            </a:solidFill>
+          </a:ln>
+        </p:spPr>
+        <p:style>
+          <a:lnRef idx="2">
+            <a:schemeClr val="accent1">
+              <a:shade val="50000"/>
+            </a:schemeClr>
+          </a:lnRef>
+          <a:fillRef idx="1">
+            <a:schemeClr val="accent1"/>
+          </a:fillRef>
+          <a:effectRef idx="0">
+            <a:schemeClr val="accent1"/>
+          </a:effectRef>
+          <a:fontRef idx="minor">
+            <a:schemeClr val="lt1"/>
+          </a:fontRef>
+        </p:style>
+        <p:txBody>
+          <a:bodyPr rtlCol="0" anchor="ctr"/>
+          <a:lstStyle/>
+          <a:p>
+            <a:pPr algn="ctr"/>
+            <a:r>
+              <a:rPr lang="es-ES" sz="1600" b="1" dirty="0">
+                <a:solidFill>
+                  <a:schemeClr val="tx1"/>
+                </a:solidFill>
+                <a:cs typeface="Courier New" panose="02070309020205020404" pitchFamily="49" charset="0"/>
+              </a:rPr>
+              <a:t>Bi-LSTM</a:t>
+            </a:r>
+          </a:p>
+        </p:txBody>
+      </p:sp>
+      <p:sp>
+        <p:nvSpPr>
+          <p:cNvPr id="41" name="Rectángulo 40">
+            <a:extLst>
+              <a:ext uri="{FF2B5EF4-FFF2-40B4-BE49-F238E27FC236}">
+                <a16:creationId xmlns:a16="http://schemas.microsoft.com/office/drawing/2014/main" id="{1FB0A470-7762-4DA7-B71E-15D9A09F1AC5}"/>
+              </a:ext>
+            </a:extLst>
+          </p:cNvPr>
+          <p:cNvSpPr/>
+          <p:nvPr/>
+        </p:nvSpPr>
+        <p:spPr>
+          <a:xfrm rot="16200000">
+            <a:off x="2483585" y="2945646"/>
+            <a:ext cx="1715110" cy="591176"/>
+          </a:xfrm>
+          <a:prstGeom prst="rect">
+            <a:avLst/>
+          </a:prstGeom>
+          <a:solidFill>
+            <a:schemeClr val="accent6">
+              <a:lumMod val="60000"/>
+              <a:lumOff val="40000"/>
+            </a:schemeClr>
+          </a:solidFill>
+          <a:ln w="12700">
+            <a:solidFill>
+              <a:schemeClr val="tx1"/>
+            </a:solidFill>
+          </a:ln>
+        </p:spPr>
+        <p:style>
+          <a:lnRef idx="2">
+            <a:schemeClr val="accent1">
+              <a:shade val="50000"/>
+            </a:schemeClr>
+          </a:lnRef>
+          <a:fillRef idx="1">
+            <a:schemeClr val="accent1"/>
+          </a:fillRef>
+          <a:effectRef idx="0">
+            <a:schemeClr val="accent1"/>
+          </a:effectRef>
+          <a:fontRef idx="minor">
+            <a:schemeClr val="lt1"/>
+          </a:fontRef>
+        </p:style>
+        <p:txBody>
+          <a:bodyPr rtlCol="0" anchor="ctr"/>
+          <a:lstStyle/>
+          <a:p>
+            <a:pPr algn="ctr"/>
+            <a:r>
+              <a:rPr lang="es-ES" sz="1600" b="1" dirty="0">
+                <a:solidFill>
+                  <a:schemeClr val="tx1"/>
+                </a:solidFill>
+                <a:cs typeface="Courier New" panose="02070309020205020404" pitchFamily="49" charset="0"/>
+              </a:rPr>
+              <a:t>Max </a:t>
+            </a:r>
+            <a:r>
+              <a:rPr lang="es-ES" sz="1600" b="1" dirty="0" err="1">
+                <a:solidFill>
+                  <a:schemeClr val="tx1"/>
+                </a:solidFill>
+                <a:cs typeface="Courier New" panose="02070309020205020404" pitchFamily="49" charset="0"/>
+              </a:rPr>
+              <a:t>Pooling</a:t>
+            </a:r>
+            <a:endParaRPr lang="es-ES" sz="1600" b="1" dirty="0">
+              <a:solidFill>
+                <a:schemeClr val="tx1"/>
+              </a:solidFill>
+              <a:cs typeface="Courier New" panose="02070309020205020404" pitchFamily="49" charset="0"/>
+            </a:endParaRPr>
+          </a:p>
+        </p:txBody>
+      </p:sp>
+      <p:sp>
+        <p:nvSpPr>
+          <p:cNvPr id="43" name="Rectángulo 42">
+            <a:extLst>
+              <a:ext uri="{FF2B5EF4-FFF2-40B4-BE49-F238E27FC236}">
+                <a16:creationId xmlns:a16="http://schemas.microsoft.com/office/drawing/2014/main" id="{CFB84115-C1C7-4A7A-B474-955BC73DBD8D}"/>
+              </a:ext>
+            </a:extLst>
+          </p:cNvPr>
+          <p:cNvSpPr/>
+          <p:nvPr/>
+        </p:nvSpPr>
+        <p:spPr>
+          <a:xfrm rot="16200000">
+            <a:off x="3561362" y="2948650"/>
+            <a:ext cx="1715110" cy="591176"/>
+          </a:xfrm>
+          <a:prstGeom prst="rect">
+            <a:avLst/>
+          </a:prstGeom>
+          <a:solidFill>
+            <a:schemeClr val="accent6">
+              <a:lumMod val="60000"/>
+              <a:lumOff val="40000"/>
+            </a:schemeClr>
+          </a:solidFill>
+          <a:ln w="12700">
+            <a:solidFill>
+              <a:schemeClr val="tx1"/>
+            </a:solidFill>
+          </a:ln>
+        </p:spPr>
+        <p:style>
+          <a:lnRef idx="2">
+            <a:schemeClr val="accent1">
+              <a:shade val="50000"/>
+            </a:schemeClr>
+          </a:lnRef>
+          <a:fillRef idx="1">
+            <a:schemeClr val="accent1"/>
+          </a:fillRef>
+          <a:effectRef idx="0">
+            <a:schemeClr val="accent1"/>
+          </a:effectRef>
+          <a:fontRef idx="minor">
+            <a:schemeClr val="lt1"/>
+          </a:fontRef>
+        </p:style>
+        <p:txBody>
+          <a:bodyPr rtlCol="0" anchor="ctr"/>
+          <a:lstStyle/>
+          <a:p>
+            <a:pPr algn="ctr"/>
+            <a:r>
+              <a:rPr lang="es-ES" sz="1600" b="1" dirty="0" err="1">
+                <a:solidFill>
+                  <a:schemeClr val="tx1"/>
+                </a:solidFill>
+                <a:cs typeface="Courier New" panose="02070309020205020404" pitchFamily="49" charset="0"/>
+              </a:rPr>
+              <a:t>Dropout</a:t>
+            </a:r>
+            <a:endParaRPr lang="es-ES" sz="1600" b="1" dirty="0">
+              <a:solidFill>
+                <a:schemeClr val="tx1"/>
+              </a:solidFill>
+              <a:cs typeface="Courier New" panose="02070309020205020404" pitchFamily="49" charset="0"/>
+            </a:endParaRPr>
+          </a:p>
+        </p:txBody>
+      </p:sp>
+      <p:sp>
+        <p:nvSpPr>
+          <p:cNvPr id="44" name="Rectángulo 43">
+            <a:extLst>
+              <a:ext uri="{FF2B5EF4-FFF2-40B4-BE49-F238E27FC236}">
+                <a16:creationId xmlns:a16="http://schemas.microsoft.com/office/drawing/2014/main" id="{06EC8DB2-5755-40A5-9E8F-0B13CCE49024}"/>
+              </a:ext>
+            </a:extLst>
+          </p:cNvPr>
+          <p:cNvSpPr/>
+          <p:nvPr/>
+        </p:nvSpPr>
+        <p:spPr>
+          <a:xfrm rot="16200000">
+            <a:off x="7227444" y="2939204"/>
+            <a:ext cx="1715110" cy="591176"/>
+          </a:xfrm>
+          <a:prstGeom prst="rect">
+            <a:avLst/>
+          </a:prstGeom>
+          <a:solidFill>
+            <a:schemeClr val="accent6">
+              <a:lumMod val="60000"/>
+              <a:lumOff val="40000"/>
+            </a:schemeClr>
+          </a:solidFill>
+          <a:ln w="12700">
+            <a:solidFill>
+              <a:schemeClr val="tx1"/>
+            </a:solidFill>
+          </a:ln>
+        </p:spPr>
+        <p:style>
+          <a:lnRef idx="2">
+            <a:schemeClr val="accent1">
+              <a:shade val="50000"/>
+            </a:schemeClr>
+          </a:lnRef>
+          <a:fillRef idx="1">
+            <a:schemeClr val="accent1"/>
+          </a:fillRef>
+          <a:effectRef idx="0">
+            <a:schemeClr val="accent1"/>
+          </a:effectRef>
+          <a:fontRef idx="minor">
+            <a:schemeClr val="lt1"/>
+          </a:fontRef>
+        </p:style>
+        <p:txBody>
+          <a:bodyPr rtlCol="0" anchor="ctr"/>
+          <a:lstStyle/>
+          <a:p>
+            <a:pPr algn="ctr"/>
+            <a:r>
+              <a:rPr lang="es-ES" sz="1600" b="1" dirty="0" err="1">
+                <a:solidFill>
+                  <a:schemeClr val="tx1"/>
+                </a:solidFill>
+                <a:cs typeface="Courier New" panose="02070309020205020404" pitchFamily="49" charset="0"/>
+              </a:rPr>
+              <a:t>Dropout</a:t>
+            </a:r>
+            <a:endParaRPr lang="es-ES" sz="1600" b="1" dirty="0">
+              <a:solidFill>
+                <a:schemeClr val="tx1"/>
+              </a:solidFill>
+              <a:cs typeface="Courier New" panose="02070309020205020404" pitchFamily="49" charset="0"/>
+            </a:endParaRPr>
+          </a:p>
+        </p:txBody>
+      </p:sp>
+      <p:sp>
+        <p:nvSpPr>
+          <p:cNvPr id="45" name="Rectángulo 44">
+            <a:extLst>
+              <a:ext uri="{FF2B5EF4-FFF2-40B4-BE49-F238E27FC236}">
+                <a16:creationId xmlns:a16="http://schemas.microsoft.com/office/drawing/2014/main" id="{1EA8E9B1-5CB1-48B6-8498-4011FD2CCF67}"/>
+              </a:ext>
+            </a:extLst>
+          </p:cNvPr>
+          <p:cNvSpPr/>
+          <p:nvPr/>
+        </p:nvSpPr>
+        <p:spPr>
+          <a:xfrm rot="16200000">
+            <a:off x="6176732" y="2939203"/>
+            <a:ext cx="1715110" cy="591176"/>
+          </a:xfrm>
+          <a:prstGeom prst="rect">
+            <a:avLst/>
+          </a:prstGeom>
+          <a:solidFill>
+            <a:schemeClr val="accent6">
+              <a:lumMod val="60000"/>
+              <a:lumOff val="40000"/>
+            </a:schemeClr>
+          </a:solidFill>
+          <a:ln w="12700">
+            <a:solidFill>
+              <a:schemeClr val="tx1"/>
+            </a:solidFill>
+          </a:ln>
+        </p:spPr>
+        <p:style>
+          <a:lnRef idx="2">
+            <a:schemeClr val="accent1">
+              <a:shade val="50000"/>
+            </a:schemeClr>
+          </a:lnRef>
+          <a:fillRef idx="1">
+            <a:schemeClr val="accent1"/>
+          </a:fillRef>
+          <a:effectRef idx="0">
+            <a:schemeClr val="accent1"/>
+          </a:effectRef>
+          <a:fontRef idx="minor">
+            <a:schemeClr val="lt1"/>
+          </a:fontRef>
+        </p:style>
+        <p:txBody>
+          <a:bodyPr rtlCol="0" anchor="ctr"/>
+          <a:lstStyle/>
+          <a:p>
+            <a:pPr algn="ctr"/>
+            <a:r>
+              <a:rPr lang="es-ES" sz="1600" b="1" dirty="0">
+                <a:solidFill>
+                  <a:schemeClr val="tx1"/>
+                </a:solidFill>
+                <a:cs typeface="Courier New" panose="02070309020205020404" pitchFamily="49" charset="0"/>
+              </a:rPr>
+              <a:t>Dense</a:t>
+            </a:r>
+          </a:p>
+        </p:txBody>
+      </p:sp>
+      <p:sp>
+        <p:nvSpPr>
+          <p:cNvPr id="46" name="Rectángulo 45">
+            <a:extLst>
+              <a:ext uri="{FF2B5EF4-FFF2-40B4-BE49-F238E27FC236}">
+                <a16:creationId xmlns:a16="http://schemas.microsoft.com/office/drawing/2014/main" id="{6417429D-B300-43D6-A17D-90DB817B1908}"/>
+              </a:ext>
+            </a:extLst>
+          </p:cNvPr>
+          <p:cNvSpPr/>
+          <p:nvPr/>
+        </p:nvSpPr>
+        <p:spPr>
+          <a:xfrm rot="16200000">
+            <a:off x="5126021" y="2945646"/>
+            <a:ext cx="1715110" cy="591176"/>
+          </a:xfrm>
+          <a:prstGeom prst="rect">
+            <a:avLst/>
+          </a:prstGeom>
+          <a:solidFill>
+            <a:schemeClr val="accent6">
+              <a:lumMod val="60000"/>
+              <a:lumOff val="40000"/>
+            </a:schemeClr>
+          </a:solidFill>
+          <a:ln w="12700">
+            <a:solidFill>
+              <a:schemeClr val="tx1"/>
+            </a:solidFill>
+          </a:ln>
+        </p:spPr>
+        <p:style>
+          <a:lnRef idx="2">
+            <a:schemeClr val="accent1">
+              <a:shade val="50000"/>
+            </a:schemeClr>
+          </a:lnRef>
+          <a:fillRef idx="1">
+            <a:schemeClr val="accent1"/>
+          </a:fillRef>
+          <a:effectRef idx="0">
+            <a:schemeClr val="accent1"/>
+          </a:effectRef>
+          <a:fontRef idx="minor">
+            <a:schemeClr val="lt1"/>
+          </a:fontRef>
+        </p:style>
+        <p:txBody>
+          <a:bodyPr rtlCol="0" anchor="ctr"/>
+          <a:lstStyle/>
+          <a:p>
+            <a:pPr algn="ctr"/>
+            <a:r>
+              <a:rPr lang="es-ES" sz="1600" b="1" dirty="0" err="1">
+                <a:solidFill>
+                  <a:schemeClr val="tx1"/>
+                </a:solidFill>
+                <a:cs typeface="Courier New" panose="02070309020205020404" pitchFamily="49" charset="0"/>
+              </a:rPr>
+              <a:t>concatenate</a:t>
+            </a:r>
+            <a:endParaRPr lang="es-ES" sz="1600" b="1" dirty="0">
+              <a:solidFill>
+                <a:schemeClr val="tx1"/>
+              </a:solidFill>
+              <a:cs typeface="Courier New" panose="02070309020205020404" pitchFamily="49" charset="0"/>
+            </a:endParaRPr>
+          </a:p>
+        </p:txBody>
+      </p:sp>
+      <p:sp>
+        <p:nvSpPr>
+          <p:cNvPr id="47" name="Rectángulo 46">
+            <a:extLst>
+              <a:ext uri="{FF2B5EF4-FFF2-40B4-BE49-F238E27FC236}">
+                <a16:creationId xmlns:a16="http://schemas.microsoft.com/office/drawing/2014/main" id="{F829633E-4A3A-4114-9AEA-DE14F0C82DFD}"/>
+              </a:ext>
+            </a:extLst>
+          </p:cNvPr>
+          <p:cNvSpPr/>
+          <p:nvPr/>
+        </p:nvSpPr>
+        <p:spPr>
+          <a:xfrm rot="16200000">
+            <a:off x="8696805" y="2937457"/>
+            <a:ext cx="1130674" cy="591176"/>
+          </a:xfrm>
+          <a:prstGeom prst="rect">
+            <a:avLst/>
+          </a:prstGeom>
+          <a:solidFill>
+            <a:schemeClr val="accent6">
+              <a:lumMod val="60000"/>
+              <a:lumOff val="40000"/>
+            </a:schemeClr>
+          </a:solidFill>
+          <a:ln w="12700">
+            <a:solidFill>
+              <a:schemeClr val="tx1"/>
+            </a:solidFill>
+          </a:ln>
+        </p:spPr>
+        <p:style>
+          <a:lnRef idx="2">
+            <a:schemeClr val="accent1">
+              <a:shade val="50000"/>
+            </a:schemeClr>
+          </a:lnRef>
+          <a:fillRef idx="1">
+            <a:schemeClr val="accent1"/>
+          </a:fillRef>
+          <a:effectRef idx="0">
+            <a:schemeClr val="accent1"/>
+          </a:effectRef>
+          <a:fontRef idx="minor">
+            <a:schemeClr val="lt1"/>
+          </a:fontRef>
+        </p:style>
+        <p:txBody>
+          <a:bodyPr rtlCol="0" anchor="ctr"/>
+          <a:lstStyle/>
+          <a:p>
+            <a:pPr algn="ctr"/>
+            <a:r>
+              <a:rPr lang="es-ES" sz="1600" b="1" dirty="0">
+                <a:solidFill>
+                  <a:schemeClr val="tx1"/>
+                </a:solidFill>
+                <a:cs typeface="Courier New" panose="02070309020205020404" pitchFamily="49" charset="0"/>
+              </a:rPr>
+              <a:t>Dense </a:t>
+            </a:r>
+            <a:r>
+              <a:rPr lang="es-ES" sz="1600" b="1" dirty="0" err="1">
+                <a:solidFill>
+                  <a:schemeClr val="tx1"/>
+                </a:solidFill>
+                <a:cs typeface="Courier New" panose="02070309020205020404" pitchFamily="49" charset="0"/>
+              </a:rPr>
+              <a:t>classifier</a:t>
+            </a:r>
+            <a:endParaRPr lang="es-ES" sz="1600" b="1" dirty="0">
+              <a:solidFill>
+                <a:schemeClr val="tx1"/>
+              </a:solidFill>
+              <a:cs typeface="Courier New" panose="02070309020205020404" pitchFamily="49" charset="0"/>
+            </a:endParaRPr>
+          </a:p>
+        </p:txBody>
+      </p:sp>
+      <p:sp>
+        <p:nvSpPr>
+          <p:cNvPr id="48" name="Rectángulo 47">
+            <a:extLst>
+              <a:ext uri="{FF2B5EF4-FFF2-40B4-BE49-F238E27FC236}">
+                <a16:creationId xmlns:a16="http://schemas.microsoft.com/office/drawing/2014/main" id="{FDC99704-49B8-4C3D-8C8E-C795F57A751E}"/>
+              </a:ext>
+            </a:extLst>
+          </p:cNvPr>
+          <p:cNvSpPr/>
+          <p:nvPr/>
+        </p:nvSpPr>
+        <p:spPr>
+          <a:xfrm rot="16200000">
+            <a:off x="3465624" y="693059"/>
+            <a:ext cx="1399299" cy="764055"/>
+          </a:xfrm>
+          <a:prstGeom prst="rect">
+            <a:avLst/>
+          </a:prstGeom>
+          <a:solidFill>
+            <a:schemeClr val="accent6">
+              <a:lumMod val="60000"/>
+              <a:lumOff val="40000"/>
+            </a:schemeClr>
+          </a:solidFill>
+          <a:ln w="12700">
+            <a:solidFill>
+              <a:schemeClr val="tx1"/>
+            </a:solidFill>
+          </a:ln>
+        </p:spPr>
+        <p:style>
+          <a:lnRef idx="2">
+            <a:schemeClr val="accent1">
+              <a:shade val="50000"/>
+            </a:schemeClr>
+          </a:lnRef>
+          <a:fillRef idx="1">
+            <a:schemeClr val="accent1"/>
+          </a:fillRef>
+          <a:effectRef idx="0">
+            <a:schemeClr val="accent1"/>
+          </a:effectRef>
+          <a:fontRef idx="minor">
+            <a:schemeClr val="lt1"/>
+          </a:fontRef>
+        </p:style>
+        <p:txBody>
+          <a:bodyPr rtlCol="0" anchor="ctr"/>
+          <a:lstStyle/>
+          <a:p>
+            <a:pPr algn="ctr"/>
+            <a:r>
+              <a:rPr lang="es-ES" sz="1600" b="1" dirty="0" err="1">
+                <a:solidFill>
+                  <a:schemeClr val="tx1"/>
+                </a:solidFill>
+                <a:cs typeface="Courier New" panose="02070309020205020404" pitchFamily="49" charset="0"/>
+              </a:rPr>
+              <a:t>User</a:t>
+            </a:r>
+            <a:r>
+              <a:rPr lang="es-ES" sz="1600" b="1" dirty="0">
+                <a:solidFill>
+                  <a:schemeClr val="tx1"/>
+                </a:solidFill>
+                <a:cs typeface="Courier New" panose="02070309020205020404" pitchFamily="49" charset="0"/>
+              </a:rPr>
+              <a:t> and </a:t>
+            </a:r>
+            <a:r>
+              <a:rPr lang="es-ES" sz="1600" b="1" dirty="0" err="1">
+                <a:solidFill>
+                  <a:schemeClr val="tx1"/>
+                </a:solidFill>
+                <a:cs typeface="Courier New" panose="02070309020205020404" pitchFamily="49" charset="0"/>
+              </a:rPr>
+              <a:t>network</a:t>
+            </a:r>
+            <a:r>
+              <a:rPr lang="es-ES" sz="1600" b="1" dirty="0">
+                <a:solidFill>
+                  <a:schemeClr val="tx1"/>
+                </a:solidFill>
+                <a:cs typeface="Courier New" panose="02070309020205020404" pitchFamily="49" charset="0"/>
+              </a:rPr>
+              <a:t> </a:t>
+            </a:r>
+            <a:r>
+              <a:rPr lang="es-ES" sz="1600" b="1" dirty="0" err="1">
+                <a:solidFill>
+                  <a:schemeClr val="tx1"/>
+                </a:solidFill>
+                <a:cs typeface="Courier New" panose="02070309020205020404" pitchFamily="49" charset="0"/>
+              </a:rPr>
+              <a:t>features</a:t>
+            </a:r>
+            <a:endParaRPr lang="es-ES" sz="1600" b="1" dirty="0">
+              <a:solidFill>
+                <a:schemeClr val="tx1"/>
+              </a:solidFill>
+              <a:cs typeface="Courier New" panose="02070309020205020404" pitchFamily="49" charset="0"/>
+            </a:endParaRPr>
+          </a:p>
+        </p:txBody>
+      </p:sp>
+      <p:cxnSp>
+        <p:nvCxnSpPr>
+          <p:cNvPr id="49" name="Conector recto de flecha 48">
+            <a:extLst>
+              <a:ext uri="{FF2B5EF4-FFF2-40B4-BE49-F238E27FC236}">
+                <a16:creationId xmlns:a16="http://schemas.microsoft.com/office/drawing/2014/main" id="{1CBDFFFB-2D83-420F-A555-0A21973E16E9}"/>
+              </a:ext>
+            </a:extLst>
+          </p:cNvPr>
+          <p:cNvCxnSpPr>
+            <a:cxnSpLocks/>
+            <a:stCxn id="48" idx="2"/>
+            <a:endCxn id="46" idx="0"/>
+          </p:cNvCxnSpPr>
+          <p:nvPr/>
+        </p:nvCxnSpPr>
+        <p:spPr>
+          <a:xfrm>
+            <a:off x="4547301" y="1075086"/>
+            <a:ext cx="1140687" cy="2166148"/>
+          </a:xfrm>
+          <a:prstGeom prst="curvedConnector3">
+            <a:avLst>
+              <a:gd name="adj1" fmla="val 50000"/>
+            </a:avLst>
+          </a:prstGeom>
+          <a:ln w="19050">
+            <a:solidFill>
+              <a:schemeClr val="tx1">
+                <a:lumMod val="90000"/>
+                <a:lumOff val="10000"/>
+              </a:schemeClr>
+            </a:solidFill>
+            <a:prstDash val="dash"/>
+            <a:tailEnd type="triangle"/>
+          </a:ln>
+        </p:spPr>
+        <p:style>
+          <a:lnRef idx="1">
+            <a:schemeClr val="accent1"/>
+          </a:lnRef>
+          <a:fillRef idx="0">
+            <a:schemeClr val="accent1"/>
+          </a:fillRef>
+          <a:effectRef idx="0">
+            <a:schemeClr val="accent1"/>
+          </a:effectRef>
+          <a:fontRef idx="minor">
+            <a:schemeClr val="tx1"/>
+          </a:fontRef>
+        </p:style>
+      </p:cxnSp>
+      <p:cxnSp>
+        <p:nvCxnSpPr>
+          <p:cNvPr id="50" name="Conector recto de flecha 49">
+            <a:extLst>
+              <a:ext uri="{FF2B5EF4-FFF2-40B4-BE49-F238E27FC236}">
+                <a16:creationId xmlns:a16="http://schemas.microsoft.com/office/drawing/2014/main" id="{A7BB564F-046C-4A55-8E73-B18760D24DF7}"/>
+              </a:ext>
+            </a:extLst>
+          </p:cNvPr>
+          <p:cNvCxnSpPr>
+            <a:cxnSpLocks/>
+            <a:stCxn id="43" idx="2"/>
+            <a:endCxn id="46" idx="0"/>
+          </p:cNvCxnSpPr>
+          <p:nvPr/>
+        </p:nvCxnSpPr>
+        <p:spPr>
+          <a:xfrm flipV="1">
+            <a:off x="4714505" y="3241234"/>
+            <a:ext cx="973483" cy="3004"/>
+          </a:xfrm>
+          <a:prstGeom prst="straightConnector1">
+            <a:avLst/>
+          </a:prstGeom>
+          <a:ln w="38100">
+            <a:solidFill>
+              <a:schemeClr val="tx1">
+                <a:lumMod val="90000"/>
+                <a:lumOff val="10000"/>
+              </a:schemeClr>
+            </a:solidFill>
+            <a:tailEnd type="triangle"/>
+          </a:ln>
+        </p:spPr>
+        <p:style>
+          <a:lnRef idx="1">
+            <a:schemeClr val="accent1"/>
+          </a:lnRef>
+          <a:fillRef idx="0">
+            <a:schemeClr val="accent1"/>
+          </a:fillRef>
+          <a:effectRef idx="0">
+            <a:schemeClr val="accent1"/>
+          </a:effectRef>
+          <a:fontRef idx="minor">
+            <a:schemeClr val="tx1"/>
+          </a:fontRef>
+        </p:style>
+      </p:cxnSp>
+      <p:cxnSp>
+        <p:nvCxnSpPr>
+          <p:cNvPr id="51" name="Conector recto de flecha 50">
+            <a:extLst>
+              <a:ext uri="{FF2B5EF4-FFF2-40B4-BE49-F238E27FC236}">
+                <a16:creationId xmlns:a16="http://schemas.microsoft.com/office/drawing/2014/main" id="{22632363-AAFB-4848-923C-FB611B3069DA}"/>
+              </a:ext>
+            </a:extLst>
+          </p:cNvPr>
+          <p:cNvCxnSpPr>
+            <a:cxnSpLocks/>
+            <a:stCxn id="40" idx="2"/>
+            <a:endCxn id="41" idx="0"/>
+          </p:cNvCxnSpPr>
+          <p:nvPr/>
+        </p:nvCxnSpPr>
+        <p:spPr>
+          <a:xfrm>
+            <a:off x="2558670" y="3241234"/>
+            <a:ext cx="486882" cy="0"/>
+          </a:xfrm>
+          <a:prstGeom prst="straightConnector1">
+            <a:avLst/>
+          </a:prstGeom>
+          <a:ln w="38100">
+            <a:solidFill>
+              <a:schemeClr val="tx1">
+                <a:lumMod val="90000"/>
+                <a:lumOff val="10000"/>
+              </a:schemeClr>
+            </a:solidFill>
+            <a:tailEnd type="triangle"/>
+          </a:ln>
+        </p:spPr>
+        <p:style>
+          <a:lnRef idx="1">
+            <a:schemeClr val="accent1"/>
+          </a:lnRef>
+          <a:fillRef idx="0">
+            <a:schemeClr val="accent1"/>
+          </a:fillRef>
+          <a:effectRef idx="0">
+            <a:schemeClr val="accent1"/>
+          </a:effectRef>
+          <a:fontRef idx="minor">
+            <a:schemeClr val="tx1"/>
+          </a:fontRef>
+        </p:style>
+      </p:cxnSp>
+      <p:cxnSp>
+        <p:nvCxnSpPr>
+          <p:cNvPr id="52" name="Conector recto de flecha 51">
+            <a:extLst>
+              <a:ext uri="{FF2B5EF4-FFF2-40B4-BE49-F238E27FC236}">
+                <a16:creationId xmlns:a16="http://schemas.microsoft.com/office/drawing/2014/main" id="{B5EDD685-D042-4BE9-81E6-12C2E382FFBF}"/>
+              </a:ext>
+            </a:extLst>
+          </p:cNvPr>
+          <p:cNvCxnSpPr>
+            <a:cxnSpLocks/>
+            <a:stCxn id="41" idx="2"/>
+            <a:endCxn id="43" idx="0"/>
+          </p:cNvCxnSpPr>
+          <p:nvPr/>
+        </p:nvCxnSpPr>
+        <p:spPr>
+          <a:xfrm>
+            <a:off x="3636728" y="3241234"/>
+            <a:ext cx="486601" cy="3004"/>
+          </a:xfrm>
+          <a:prstGeom prst="straightConnector1">
+            <a:avLst/>
+          </a:prstGeom>
+          <a:ln w="38100">
+            <a:solidFill>
+              <a:schemeClr val="tx1">
+                <a:lumMod val="90000"/>
+                <a:lumOff val="10000"/>
+              </a:schemeClr>
+            </a:solidFill>
+            <a:tailEnd type="triangle"/>
+          </a:ln>
+        </p:spPr>
+        <p:style>
+          <a:lnRef idx="1">
+            <a:schemeClr val="accent1"/>
+          </a:lnRef>
+          <a:fillRef idx="0">
+            <a:schemeClr val="accent1"/>
+          </a:fillRef>
+          <a:effectRef idx="0">
+            <a:schemeClr val="accent1"/>
+          </a:effectRef>
+          <a:fontRef idx="minor">
+            <a:schemeClr val="tx1"/>
+          </a:fontRef>
+        </p:style>
+      </p:cxnSp>
+      <p:cxnSp>
+        <p:nvCxnSpPr>
+          <p:cNvPr id="60" name="Conector recto de flecha 59">
+            <a:extLst>
+              <a:ext uri="{FF2B5EF4-FFF2-40B4-BE49-F238E27FC236}">
+                <a16:creationId xmlns:a16="http://schemas.microsoft.com/office/drawing/2014/main" id="{07E5F03C-2FD3-4B37-AABE-B9F2CE728E39}"/>
+              </a:ext>
+            </a:extLst>
+          </p:cNvPr>
+          <p:cNvCxnSpPr>
+            <a:cxnSpLocks/>
+            <a:stCxn id="46" idx="2"/>
+            <a:endCxn id="45" idx="0"/>
+          </p:cNvCxnSpPr>
+          <p:nvPr/>
+        </p:nvCxnSpPr>
+        <p:spPr>
+          <a:xfrm flipV="1">
+            <a:off x="6279164" y="3234791"/>
+            <a:ext cx="459535" cy="6443"/>
+          </a:xfrm>
+          <a:prstGeom prst="straightConnector1">
+            <a:avLst/>
+          </a:prstGeom>
+          <a:ln w="38100">
+            <a:solidFill>
+              <a:schemeClr val="tx1">
+                <a:lumMod val="90000"/>
+                <a:lumOff val="10000"/>
+              </a:schemeClr>
+            </a:solidFill>
+            <a:tailEnd type="triangle"/>
+          </a:ln>
+        </p:spPr>
+        <p:style>
+          <a:lnRef idx="1">
+            <a:schemeClr val="accent1"/>
+          </a:lnRef>
+          <a:fillRef idx="0">
+            <a:schemeClr val="accent1"/>
+          </a:fillRef>
+          <a:effectRef idx="0">
+            <a:schemeClr val="accent1"/>
+          </a:effectRef>
+          <a:fontRef idx="minor">
+            <a:schemeClr val="tx1"/>
+          </a:fontRef>
+        </p:style>
+      </p:cxnSp>
+      <p:cxnSp>
+        <p:nvCxnSpPr>
+          <p:cNvPr id="63" name="Conector recto de flecha 62">
+            <a:extLst>
+              <a:ext uri="{FF2B5EF4-FFF2-40B4-BE49-F238E27FC236}">
+                <a16:creationId xmlns:a16="http://schemas.microsoft.com/office/drawing/2014/main" id="{2F611E9E-5A6B-4356-803D-771DD5047961}"/>
+              </a:ext>
+            </a:extLst>
+          </p:cNvPr>
+          <p:cNvCxnSpPr>
+            <a:cxnSpLocks/>
+            <a:stCxn id="45" idx="2"/>
+            <a:endCxn id="44" idx="0"/>
+          </p:cNvCxnSpPr>
+          <p:nvPr/>
+        </p:nvCxnSpPr>
+        <p:spPr>
+          <a:xfrm>
+            <a:off x="7329875" y="3234791"/>
+            <a:ext cx="459536" cy="1"/>
+          </a:xfrm>
+          <a:prstGeom prst="straightConnector1">
+            <a:avLst/>
+          </a:prstGeom>
+          <a:ln w="38100">
+            <a:solidFill>
+              <a:schemeClr val="tx1">
+                <a:lumMod val="90000"/>
+                <a:lumOff val="10000"/>
+              </a:schemeClr>
+            </a:solidFill>
+            <a:tailEnd type="triangle"/>
+          </a:ln>
+        </p:spPr>
+        <p:style>
+          <a:lnRef idx="1">
+            <a:schemeClr val="accent1"/>
+          </a:lnRef>
+          <a:fillRef idx="0">
+            <a:schemeClr val="accent1"/>
+          </a:fillRef>
+          <a:effectRef idx="0">
+            <a:schemeClr val="accent1"/>
+          </a:effectRef>
+          <a:fontRef idx="minor">
+            <a:schemeClr val="tx1"/>
+          </a:fontRef>
+        </p:style>
+      </p:cxnSp>
+      <p:cxnSp>
+        <p:nvCxnSpPr>
+          <p:cNvPr id="66" name="Conector recto de flecha 65">
+            <a:extLst>
+              <a:ext uri="{FF2B5EF4-FFF2-40B4-BE49-F238E27FC236}">
+                <a16:creationId xmlns:a16="http://schemas.microsoft.com/office/drawing/2014/main" id="{7FD0EF9C-B344-40C0-9002-A21FB7697BA5}"/>
+              </a:ext>
+            </a:extLst>
+          </p:cNvPr>
+          <p:cNvCxnSpPr>
+            <a:cxnSpLocks/>
+            <a:stCxn id="44" idx="2"/>
+            <a:endCxn id="47" idx="0"/>
+          </p:cNvCxnSpPr>
+          <p:nvPr/>
+        </p:nvCxnSpPr>
+        <p:spPr>
+          <a:xfrm flipV="1">
+            <a:off x="8380587" y="3233045"/>
+            <a:ext cx="585967" cy="1747"/>
+          </a:xfrm>
+          <a:prstGeom prst="straightConnector1">
+            <a:avLst/>
+          </a:prstGeom>
+          <a:ln w="38100">
+            <a:solidFill>
+              <a:schemeClr val="tx1">
+                <a:lumMod val="90000"/>
+                <a:lumOff val="10000"/>
+              </a:schemeClr>
+            </a:solidFill>
+            <a:tailEnd type="triangle"/>
+          </a:ln>
+        </p:spPr>
+        <p:style>
+          <a:lnRef idx="1">
+            <a:schemeClr val="accent1"/>
+          </a:lnRef>
+          <a:fillRef idx="0">
+            <a:schemeClr val="accent1"/>
+          </a:fillRef>
+          <a:effectRef idx="0">
+            <a:schemeClr val="accent1"/>
+          </a:effectRef>
+          <a:fontRef idx="minor">
+            <a:schemeClr val="tx1"/>
+          </a:fontRef>
+        </p:style>
+      </p:cxnSp>
+      <p:cxnSp>
+        <p:nvCxnSpPr>
+          <p:cNvPr id="69" name="Conector recto de flecha 68">
+            <a:extLst>
+              <a:ext uri="{FF2B5EF4-FFF2-40B4-BE49-F238E27FC236}">
+                <a16:creationId xmlns:a16="http://schemas.microsoft.com/office/drawing/2014/main" id="{1CF03366-1044-44A1-B6DB-698083843012}"/>
+              </a:ext>
+            </a:extLst>
+          </p:cNvPr>
+          <p:cNvCxnSpPr>
+            <a:cxnSpLocks/>
+            <a:stCxn id="47" idx="2"/>
+            <a:endCxn id="42" idx="2"/>
+          </p:cNvCxnSpPr>
+          <p:nvPr/>
+        </p:nvCxnSpPr>
+        <p:spPr>
+          <a:xfrm>
+            <a:off x="9557730" y="3233045"/>
+            <a:ext cx="451239" cy="8188"/>
+          </a:xfrm>
+          <a:prstGeom prst="straightConnector1">
+            <a:avLst/>
+          </a:prstGeom>
+          <a:ln w="38100">
+            <a:solidFill>
+              <a:schemeClr val="tx1">
+                <a:lumMod val="90000"/>
+                <a:lumOff val="10000"/>
+              </a:schemeClr>
+            </a:solidFill>
+            <a:tailEnd type="triangle"/>
+          </a:ln>
+        </p:spPr>
+        <p:style>
+          <a:lnRef idx="1">
+            <a:schemeClr val="accent1"/>
+          </a:lnRef>
+          <a:fillRef idx="0">
+            <a:schemeClr val="accent1"/>
+          </a:fillRef>
+          <a:effectRef idx="0">
+            <a:schemeClr val="accent1"/>
+          </a:effectRef>
+          <a:fontRef idx="minor">
+            <a:schemeClr val="tx1"/>
+          </a:fontRef>
+        </p:style>
+      </p:cxnSp>
+    </p:spTree>
+    <p:extLst>
+      <p:ext uri="{BB962C8B-B14F-4D97-AF65-F5344CB8AC3E}">
+        <p14:creationId xmlns:p14="http://schemas.microsoft.com/office/powerpoint/2010/main" val="4152354225"/>
+      </p:ext>
+    </p:extLst>
+  </p:cSld>
+  <p:clrMapOvr>
+    <a:masterClrMapping/>
+  </p:clrMapOvr>
+</p:sld>
+</file>
+
 <file path=ppt/theme/theme1.xml><?xml version="1.0" encoding="utf-8"?>
 <a:theme xmlns:a="http://schemas.openxmlformats.org/drawingml/2006/main" name="Tema de Office">
   <a:themeElements>
